--- a/Documentación/Presentacion_PWA_EduardBorrasRuiz.pptx
+++ b/Documentación/Presentacion_PWA_EduardBorrasRuiz.pptx
@@ -160,7 +160,7 @@
   </p:defaultTextStyle>
   <p:extLst>
     <p:ext uri="{EFAFB233-063F-42B5-8137-9DF3F51BA10A}">
-      <p15:sldGuideLst xmlns:p15="http://schemas.microsoft.com/office/powerpoint/2012/main" xmlns="">
+      <p15:sldGuideLst xmlns="" xmlns:p15="http://schemas.microsoft.com/office/powerpoint/2012/main">
         <p15:guide id="1" orient="horz" pos="436">
           <p15:clr>
             <a:srgbClr val="A4A3A4"/>
@@ -269,7 +269,7 @@
       </p15:sldGuideLst>
     </p:ext>
     <p:ext uri="{2D200454-40CA-4A62-9FC3-DE9A4176ACB9}">
-      <p15:notesGuideLst xmlns:p15="http://schemas.microsoft.com/office/powerpoint/2012/main" xmlns="">
+      <p15:notesGuideLst xmlns="" xmlns:p15="http://schemas.microsoft.com/office/powerpoint/2012/main">
         <p15:guide id="1" orient="horz" pos="3127">
           <p15:clr>
             <a:srgbClr val="A4A3A4"/>
@@ -2272,76 +2272,14 @@
       </p:grpSpPr>
       <p:pic>
         <p:nvPicPr>
-          <p:cNvPr id="4" name="Picture 4"/>
-          <p:cNvPicPr>
-            <a:picLocks noChangeAspect="1" noChangeArrowheads="1"/>
-          </p:cNvPicPr>
-          <p:nvPr userDrawn="1"/>
-        </p:nvPicPr>
-        <p:blipFill rotWithShape="1">
-          <a:blip r:embed="rId2">
-            <a:extLst>
-              <a:ext uri="{28A0092B-C50C-407E-A947-70E740481C1C}">
-                <a14:useLocalDpi xmlns:a14="http://schemas.microsoft.com/office/drawing/2010/main" val="0"/>
-              </a:ext>
-            </a:extLst>
-          </a:blip>
-          <a:srcRect r="16121"/>
-          <a:stretch/>
-        </p:blipFill>
-        <p:spPr bwMode="auto">
-          <a:xfrm>
-            <a:off x="734048" y="4024004"/>
-            <a:ext cx="9216402" cy="2861380"/>
-          </a:xfrm>
-          <a:prstGeom prst="rect">
-            <a:avLst/>
-          </a:prstGeom>
-          <a:noFill/>
-          <a:ln>
-            <a:noFill/>
-          </a:ln>
-          <a:effectLst/>
-          <a:extLst>
-            <a:ext uri="{909E8E84-426E-40DD-AFC4-6F175D3DCCD1}">
-              <a14:hiddenFill xmlns:a14="http://schemas.microsoft.com/office/drawing/2010/main">
-                <a:solidFill>
-                  <a:schemeClr val="accent1"/>
-                </a:solidFill>
-              </a14:hiddenFill>
-            </a:ext>
-            <a:ext uri="{91240B29-F687-4F45-9708-019B960494DF}">
-              <a14:hiddenLine xmlns:a14="http://schemas.microsoft.com/office/drawing/2010/main" w="9525">
-                <a:solidFill>
-                  <a:schemeClr val="tx1"/>
-                </a:solidFill>
-                <a:miter lim="800000"/>
-                <a:headEnd/>
-                <a:tailEnd/>
-              </a14:hiddenLine>
-            </a:ext>
-            <a:ext uri="{AF507438-7753-43E0-B8FC-AC1667EBCBE1}">
-              <a14:hiddenEffects xmlns:a14="http://schemas.microsoft.com/office/drawing/2010/main">
-                <a:effectLst>
-                  <a:outerShdw dist="35921" dir="2700000" algn="ctr" rotWithShape="0">
-                    <a:schemeClr val="bg2"/>
-                  </a:outerShdw>
-                </a:effectLst>
-              </a14:hiddenEffects>
-            </a:ext>
-          </a:extLst>
-        </p:spPr>
-      </p:pic>
-      <p:pic>
-        <p:nvPicPr>
-          <p:cNvPr id="2" name="1 Imagen"/>
+          <p:cNvPr id="8" name="7 Imagen"/>
           <p:cNvPicPr>
             <a:picLocks noChangeAspect="1"/>
           </p:cNvPicPr>
           <p:nvPr userDrawn="1"/>
         </p:nvPicPr>
         <p:blipFill>
-          <a:blip r:embed="rId3">
+          <a:blip r:embed="rId2" cstate="print">
             <a:extLst>
               <a:ext uri="{28A0092B-C50C-407E-A947-70E740481C1C}">
                 <a14:useLocalDpi xmlns:a14="http://schemas.microsoft.com/office/drawing/2010/main" val="0"/>
@@ -2354,40 +2292,7 @@
         </p:blipFill>
         <p:spPr>
           <a:xfrm>
-            <a:off x="8049345" y="5987701"/>
-            <a:ext cx="1524132" cy="609653"/>
-          </a:xfrm>
-          <a:prstGeom prst="rect">
-            <a:avLst/>
-          </a:prstGeom>
-          <a:solidFill>
-            <a:schemeClr val="bg1"/>
-          </a:solidFill>
-        </p:spPr>
-      </p:pic>
-      <p:pic>
-        <p:nvPicPr>
-          <p:cNvPr id="8" name="7 Imagen"/>
-          <p:cNvPicPr>
-            <a:picLocks noChangeAspect="1"/>
-          </p:cNvPicPr>
-          <p:nvPr userDrawn="1"/>
-        </p:nvPicPr>
-        <p:blipFill>
-          <a:blip r:embed="rId4" cstate="print">
-            <a:extLst>
-              <a:ext uri="{28A0092B-C50C-407E-A947-70E740481C1C}">
-                <a14:useLocalDpi xmlns:a14="http://schemas.microsoft.com/office/drawing/2010/main" val="0"/>
-              </a:ext>
-            </a:extLst>
-          </a:blip>
-          <a:stretch>
-            <a:fillRect/>
-          </a:stretch>
-        </p:blipFill>
-        <p:spPr>
-          <a:xfrm>
-            <a:off x="-18897" y="-24804"/>
+            <a:off x="0" y="-12183"/>
             <a:ext cx="9969347" cy="6901854"/>
           </a:xfrm>
           <a:prstGeom prst="rect">
@@ -4963,7 +4868,7 @@
           <a:p>
             <a:fld id="{55417804-F91F-466B-9FD6-409BB37ECF6E}" type="datetimeFigureOut">
               <a:rPr lang="es-ES" smtClean="0"/>
-              <a:t>09/03/2017</a:t>
+              <a:t>14/03/2017</a:t>
             </a:fld>
             <a:endParaRPr lang="es-ES"/>
           </a:p>
@@ -8515,6 +8420,113 @@
           <a:chExt cx="0" cy="0"/>
         </a:xfrm>
       </p:grpSpPr>
+      <p:sp>
+        <p:nvSpPr>
+          <p:cNvPr id="2" name="1 CuadroTexto"/>
+          <p:cNvSpPr txBox="1"/>
+          <p:nvPr/>
+        </p:nvSpPr>
+        <p:spPr>
+          <a:xfrm>
+            <a:off x="4016896" y="2669454"/>
+            <a:ext cx="6177136" cy="707886"/>
+          </a:xfrm>
+          <a:prstGeom prst="rect">
+            <a:avLst/>
+          </a:prstGeom>
+          <a:noFill/>
+        </p:spPr>
+        <p:txBody>
+          <a:bodyPr wrap="square" rtlCol="0">
+            <a:spAutoFit/>
+          </a:bodyPr>
+          <a:lstStyle/>
+          <a:p>
+            <a:r>
+              <a:rPr lang="en-US" sz="4000" b="1" dirty="0" smtClean="0">
+                <a:solidFill>
+                  <a:schemeClr val="bg1"/>
+                </a:solidFill>
+                <a:cs typeface="Arial" panose="020B0604020202020204" pitchFamily="34" charset="0"/>
+              </a:rPr>
+              <a:t>Progressive</a:t>
+            </a:r>
+            <a:r>
+              <a:rPr lang="es-ES" sz="4000" b="1" dirty="0" smtClean="0">
+                <a:solidFill>
+                  <a:schemeClr val="bg1"/>
+                </a:solidFill>
+                <a:cs typeface="Arial" panose="020B0604020202020204" pitchFamily="34" charset="0"/>
+              </a:rPr>
+              <a:t> Web App</a:t>
+            </a:r>
+            <a:endParaRPr lang="es-ES" sz="4000" b="1" dirty="0">
+              <a:solidFill>
+                <a:schemeClr val="bg1"/>
+              </a:solidFill>
+              <a:cs typeface="Arial" panose="020B0604020202020204" pitchFamily="34" charset="0"/>
+            </a:endParaRPr>
+          </a:p>
+        </p:txBody>
+      </p:sp>
+      <p:sp>
+        <p:nvSpPr>
+          <p:cNvPr id="3" name="2 CuadroTexto"/>
+          <p:cNvSpPr txBox="1"/>
+          <p:nvPr/>
+        </p:nvSpPr>
+        <p:spPr>
+          <a:xfrm>
+            <a:off x="6465168" y="5661246"/>
+            <a:ext cx="3168352" cy="584775"/>
+          </a:xfrm>
+          <a:prstGeom prst="rect">
+            <a:avLst/>
+          </a:prstGeom>
+          <a:noFill/>
+        </p:spPr>
+        <p:txBody>
+          <a:bodyPr wrap="square" rtlCol="0">
+            <a:spAutoFit/>
+          </a:bodyPr>
+          <a:lstStyle/>
+          <a:p>
+            <a:pPr algn="r"/>
+            <a:r>
+              <a:rPr lang="ca-ES" sz="1600" b="1" smtClean="0">
+                <a:solidFill>
+                  <a:srgbClr val="9AAE04"/>
+                </a:solidFill>
+              </a:rPr>
+              <a:t>Eduard Borràs </a:t>
+            </a:r>
+            <a:r>
+              <a:rPr lang="ca-ES" sz="1600" b="1" dirty="0" smtClean="0">
+                <a:solidFill>
+                  <a:srgbClr val="9AAE04"/>
+                </a:solidFill>
+              </a:rPr>
+              <a:t>Ruiz</a:t>
+            </a:r>
+          </a:p>
+          <a:p>
+            <a:pPr algn="r"/>
+            <a:r>
+              <a:rPr lang="es-ES" sz="1600" b="1" dirty="0" smtClean="0">
+                <a:solidFill>
+                  <a:srgbClr val="9AAE04"/>
+                </a:solidFill>
+              </a:rPr>
+              <a:t>martes, 14 de marzo de 2017</a:t>
+            </a:r>
+            <a:endParaRPr lang="es-ES" sz="1600" b="1" dirty="0">
+              <a:solidFill>
+                <a:srgbClr val="9AAE04"/>
+              </a:solidFill>
+            </a:endParaRPr>
+          </a:p>
+        </p:txBody>
+      </p:sp>
     </p:spTree>
     <p:extLst>
       <p:ext uri="{BB962C8B-B14F-4D97-AF65-F5344CB8AC3E}">
@@ -8957,12 +8969,16 @@
               <a:t>Trabaja como una </a:t>
             </a:r>
             <a:r>
-              <a:rPr lang="es-ES" sz="1600" dirty="0" err="1" smtClean="0"/>
+              <a:rPr lang="en-US" sz="1600" dirty="0" smtClean="0"/>
               <a:t>app</a:t>
             </a:r>
             <a:r>
               <a:rPr lang="es-ES" sz="1600" dirty="0" smtClean="0"/>
-              <a:t> nativo pero siendo una web.</a:t>
+              <a:t> </a:t>
+            </a:r>
+            <a:r>
+              <a:rPr lang="es-ES" sz="1600" dirty="0" smtClean="0"/>
+              <a:t>nativo pero siendo una web.</a:t>
             </a:r>
           </a:p>
           <a:p>
@@ -8975,13 +8991,14 @@
               <a:t>Permite el recibimiento de notificaciones </a:t>
             </a:r>
             <a:r>
-              <a:rPr lang="es-ES" sz="1600" dirty="0" err="1" smtClean="0"/>
+              <a:rPr lang="en-US" sz="1600" dirty="0" smtClean="0"/>
               <a:t>push</a:t>
             </a:r>
             <a:r>
               <a:rPr lang="es-ES" sz="1600" dirty="0" smtClean="0"/>
               <a:t>.</a:t>
             </a:r>
+            <a:endParaRPr lang="es-ES" sz="1600" dirty="0" smtClean="0"/>
           </a:p>
           <a:p>
             <a:pPr marL="285750" indent="-285750">
@@ -8993,13 +9010,14 @@
               <a:t>Integración en la pantalla de inicio tanto en Windows ( a partir de 8.1) y </a:t>
             </a:r>
             <a:r>
-              <a:rPr lang="es-ES" sz="1600" dirty="0" err="1" smtClean="0"/>
+              <a:rPr lang="en-US" sz="1600" dirty="0" smtClean="0"/>
               <a:t>Android</a:t>
             </a:r>
             <a:r>
               <a:rPr lang="es-ES" sz="1600" dirty="0" smtClean="0"/>
               <a:t>.</a:t>
             </a:r>
+            <a:endParaRPr lang="es-ES" sz="1600" dirty="0" smtClean="0"/>
           </a:p>
           <a:p>
             <a:pPr marL="285750" indent="-285750">
@@ -9745,29 +9763,26 @@
               <a:t>Los </a:t>
             </a:r>
             <a:r>
-              <a:rPr lang="es-ES" sz="1600" dirty="0" err="1" smtClean="0"/>
-              <a:t>Service</a:t>
+              <a:rPr lang="en-US" sz="1600" dirty="0" smtClean="0"/>
+              <a:t>Service Worker </a:t>
             </a:r>
             <a:r>
               <a:rPr lang="es-ES" sz="1600" dirty="0" smtClean="0"/>
-              <a:t> </a:t>
-            </a:r>
-            <a:r>
-              <a:rPr lang="es-ES" sz="1600" dirty="0" err="1" smtClean="0"/>
-              <a:t>Worker</a:t>
+              <a:t>solo </a:t>
             </a:r>
             <a:r>
               <a:rPr lang="es-ES" sz="1600" dirty="0" smtClean="0"/>
-              <a:t> solo funcionan en modo seguro o </a:t>
-            </a:r>
-            <a:r>
-              <a:rPr lang="es-ES" sz="1600" dirty="0" err="1" smtClean="0"/>
+              <a:t>funcionan en modo seguro o </a:t>
+            </a:r>
+            <a:r>
+              <a:rPr lang="en-US" sz="1600" dirty="0" err="1" smtClean="0"/>
               <a:t>localhost</a:t>
             </a:r>
             <a:r>
               <a:rPr lang="es-ES" sz="1600" dirty="0" smtClean="0"/>
               <a:t>.</a:t>
             </a:r>
+            <a:endParaRPr lang="es-ES" sz="1600" dirty="0" smtClean="0"/>
           </a:p>
           <a:p>
             <a:pPr marL="285750" indent="-285750">
@@ -9778,7 +9793,6 @@
               <a:rPr lang="es-ES" sz="1600" dirty="0" smtClean="0"/>
               <a:t>No es capaz de registrar eventos en local (file: //).</a:t>
             </a:r>
-            <a:endParaRPr lang="es-ES" sz="1600" dirty="0" smtClean="0"/>
           </a:p>
         </p:txBody>
       </p:sp>
@@ -10500,35 +10514,6 @@
           </a:p>
         </p:txBody>
       </p:sp>
-      <p:pic>
-        <p:nvPicPr>
-          <p:cNvPr id="4" name="3 Imagen"/>
-          <p:cNvPicPr>
-            <a:picLocks noChangeAspect="1"/>
-          </p:cNvPicPr>
-          <p:nvPr/>
-        </p:nvPicPr>
-        <p:blipFill rotWithShape="1">
-          <a:blip r:embed="rId3" cstate="print">
-            <a:extLst>
-              <a:ext uri="{28A0092B-C50C-407E-A947-70E740481C1C}">
-                <a14:useLocalDpi xmlns:a14="http://schemas.microsoft.com/office/drawing/2010/main" val="0"/>
-              </a:ext>
-            </a:extLst>
-          </a:blip>
-          <a:srcRect t="37502" b="35131"/>
-          <a:stretch/>
-        </p:blipFill>
-        <p:spPr>
-          <a:xfrm>
-            <a:off x="3002783" y="5803271"/>
-            <a:ext cx="6084676" cy="434040"/>
-          </a:xfrm>
-          <a:prstGeom prst="rect">
-            <a:avLst/>
-          </a:prstGeom>
-        </p:spPr>
-      </p:pic>
       <p:sp>
         <p:nvSpPr>
           <p:cNvPr id="6" name="Title 4"/>
@@ -10603,20 +10588,8 @@
           <a:lstStyle/>
           <a:p>
             <a:r>
-              <a:rPr lang="es-ES" dirty="0" err="1" smtClean="0"/>
-              <a:t>Eduard</a:t>
-            </a:r>
-            <a:r>
-              <a:rPr lang="es-ES" dirty="0" smtClean="0"/>
-              <a:t> </a:t>
-            </a:r>
-            <a:r>
-              <a:rPr lang="es-ES" dirty="0" err="1" smtClean="0"/>
-              <a:t>Borràs</a:t>
-            </a:r>
-            <a:r>
-              <a:rPr lang="es-ES" dirty="0" smtClean="0"/>
-              <a:t> Ruiz</a:t>
+              <a:rPr lang="ca-ES" dirty="0" smtClean="0"/>
+              <a:t>Eduard Borràs Ruiz</a:t>
             </a:r>
           </a:p>
           <a:p>
@@ -10624,6 +10597,7 @@
               <a:rPr lang="es-ES" dirty="0" smtClean="0"/>
               <a:t>Becario</a:t>
             </a:r>
+            <a:endParaRPr lang="es-ES" dirty="0" smtClean="0"/>
           </a:p>
         </p:txBody>
       </p:sp>
@@ -10716,28 +10690,19 @@
               <a:rPr lang="es-ES" dirty="0" smtClean="0"/>
               <a:t>Concepto</a:t>
             </a:r>
-            <a:endParaRPr lang="es-ES" dirty="0" smtClean="0"/>
-          </a:p>
-          <a:p>
-            <a:r>
-              <a:rPr lang="es-ES" dirty="0" err="1" smtClean="0"/>
-              <a:t>Service</a:t>
-            </a:r>
-            <a:r>
-              <a:rPr lang="es-ES" dirty="0" smtClean="0"/>
-              <a:t> </a:t>
-            </a:r>
-            <a:r>
-              <a:rPr lang="es-ES" dirty="0" err="1" smtClean="0"/>
-              <a:t>Worker</a:t>
-            </a:r>
-            <a:endParaRPr lang="es-ES" dirty="0" smtClean="0"/>
+          </a:p>
+          <a:p>
+            <a:r>
+              <a:rPr lang="en-US" dirty="0" smtClean="0"/>
+              <a:t>Service Worker</a:t>
+            </a:r>
           </a:p>
           <a:p>
             <a:r>
               <a:rPr lang="es-ES" dirty="0" smtClean="0"/>
               <a:t>Funcionalidad</a:t>
             </a:r>
+            <a:endParaRPr lang="es-ES" dirty="0" smtClean="0"/>
           </a:p>
           <a:p>
             <a:r>
@@ -10754,7 +10719,17 @@
           <a:p>
             <a:r>
               <a:rPr lang="es-ES" dirty="0" smtClean="0"/>
-              <a:t>Ventajas y desventajas</a:t>
+              <a:t>Ventajas y </a:t>
+            </a:r>
+            <a:r>
+              <a:rPr lang="es-ES" dirty="0" smtClean="0"/>
+              <a:t>desventajas</a:t>
+            </a:r>
+          </a:p>
+          <a:p>
+            <a:r>
+              <a:rPr lang="es-ES" dirty="0" smtClean="0"/>
+              <a:t>Descripción del proyecto</a:t>
             </a:r>
             <a:endParaRPr lang="es-ES" dirty="0"/>
           </a:p>
@@ -10988,7 +10963,7 @@
               <a:t>El concepto de </a:t>
             </a:r>
             <a:r>
-              <a:rPr lang="es-ES" b="1" dirty="0" err="1">
+              <a:rPr lang="en-US" b="1" dirty="0" smtClean="0">
                 <a:solidFill>
                   <a:schemeClr val="bg1"/>
                 </a:solidFill>
@@ -11000,10 +10975,10 @@
                   </a:outerShdw>
                 </a:effectLst>
               </a:rPr>
-              <a:t>p</a:t>
-            </a:r>
-            <a:r>
-              <a:rPr lang="es-ES" b="1" dirty="0" err="1" smtClean="0">
+              <a:t>progressive</a:t>
+            </a:r>
+            <a:r>
+              <a:rPr lang="es-ES" b="1" dirty="0" smtClean="0">
                 <a:solidFill>
                   <a:schemeClr val="bg1"/>
                 </a:solidFill>
@@ -11015,7 +10990,7 @@
                   </a:outerShdw>
                 </a:effectLst>
               </a:rPr>
-              <a:t>rogessive</a:t>
+              <a:t> </a:t>
             </a:r>
             <a:r>
               <a:rPr lang="es-ES" b="1" dirty="0" smtClean="0">
@@ -11030,7 +11005,7 @@
                   </a:outerShdw>
                 </a:effectLst>
               </a:rPr>
-              <a:t> web o página web progresiva </a:t>
+              <a:t>web o página web progresiva </a:t>
             </a:r>
             <a:r>
               <a:rPr lang="es-ES" b="1" dirty="0">
@@ -11192,7 +11167,7 @@
               <a:t>Funciona con trabajadores de servicios o mas conocidos como </a:t>
             </a:r>
             <a:r>
-              <a:rPr lang="es-ES" b="1" dirty="0" err="1" smtClean="0">
+              <a:rPr lang="en-US" b="1" dirty="0" smtClean="0">
                 <a:solidFill>
                   <a:schemeClr val="bg1"/>
                 </a:solidFill>
@@ -11204,37 +11179,7 @@
                   </a:outerShdw>
                 </a:effectLst>
               </a:rPr>
-              <a:t>Service</a:t>
-            </a:r>
-            <a:r>
-              <a:rPr lang="es-ES" b="1" dirty="0" smtClean="0">
-                <a:solidFill>
-                  <a:schemeClr val="bg1"/>
-                </a:solidFill>
-                <a:effectLst>
-                  <a:outerShdw blurRad="38100" dist="38100" dir="2700000" algn="tl">
-                    <a:srgbClr val="000000">
-                      <a:alpha val="43137"/>
-                    </a:srgbClr>
-                  </a:outerShdw>
-                </a:effectLst>
-              </a:rPr>
-              <a:t> </a:t>
-            </a:r>
-            <a:r>
-              <a:rPr lang="es-ES" b="1" dirty="0" err="1" smtClean="0">
-                <a:solidFill>
-                  <a:schemeClr val="bg1"/>
-                </a:solidFill>
-                <a:effectLst>
-                  <a:outerShdw blurRad="38100" dist="38100" dir="2700000" algn="tl">
-                    <a:srgbClr val="000000">
-                      <a:alpha val="43137"/>
-                    </a:srgbClr>
-                  </a:outerShdw>
-                </a:effectLst>
-              </a:rPr>
-              <a:t>Workers</a:t>
+              <a:t>Service Workers</a:t>
             </a:r>
             <a:r>
               <a:rPr lang="es-ES" b="1" dirty="0" smtClean="0">
@@ -11251,6 +11196,18 @@
               </a:rPr>
               <a:t>.</a:t>
             </a:r>
+            <a:endParaRPr lang="es-ES" b="1" dirty="0" smtClean="0">
+              <a:solidFill>
+                <a:schemeClr val="bg1"/>
+              </a:solidFill>
+              <a:effectLst>
+                <a:outerShdw blurRad="38100" dist="38100" dir="2700000" algn="tl">
+                  <a:srgbClr val="000000">
+                    <a:alpha val="43137"/>
+                  </a:srgbClr>
+                </a:outerShdw>
+              </a:effectLst>
+            </a:endParaRPr>
           </a:p>
           <a:p>
             <a:pPr marL="285750" indent="-285750">
@@ -11273,7 +11230,7 @@
               <a:t>Esta metodología ha sido desarrollada por el equipo de desarrolladores de Google y esta siendo aplicada en la mayoría de aplicaciones web, como por ejemplo, Facebook, </a:t>
             </a:r>
             <a:r>
-              <a:rPr lang="es-ES" b="1" dirty="0" err="1" smtClean="0">
+              <a:rPr lang="en-US" b="1" dirty="0" smtClean="0">
                 <a:solidFill>
                   <a:schemeClr val="bg1"/>
                 </a:solidFill>
@@ -11300,7 +11257,22 @@
                   </a:outerShdw>
                 </a:effectLst>
               </a:rPr>
-              <a:t>, etc.</a:t>
+              <a:t>, </a:t>
+            </a:r>
+            <a:r>
+              <a:rPr lang="es-ES" b="1" dirty="0" smtClean="0">
+                <a:solidFill>
+                  <a:schemeClr val="bg1"/>
+                </a:solidFill>
+                <a:effectLst>
+                  <a:outerShdw blurRad="38100" dist="38100" dir="2700000" algn="tl">
+                    <a:srgbClr val="000000">
+                      <a:alpha val="43137"/>
+                    </a:srgbClr>
+                  </a:outerShdw>
+                </a:effectLst>
+              </a:rPr>
+              <a:t>etc.</a:t>
             </a:r>
           </a:p>
           <a:p>
@@ -11370,16 +11342,8 @@
               <a:t>Que son los </a:t>
             </a:r>
             <a:r>
-              <a:rPr lang="es-ES" dirty="0" err="1" smtClean="0"/>
-              <a:t>Service</a:t>
-            </a:r>
-            <a:r>
-              <a:rPr lang="es-ES" dirty="0" smtClean="0"/>
-              <a:t> </a:t>
-            </a:r>
-            <a:r>
-              <a:rPr lang="es-ES" dirty="0" err="1" smtClean="0"/>
-              <a:t>Worker</a:t>
+              <a:rPr lang="en-US" dirty="0" smtClean="0"/>
+              <a:t>Service Worker</a:t>
             </a:r>
             <a:r>
               <a:rPr lang="es-ES" dirty="0" smtClean="0"/>
@@ -11469,20 +11433,16 @@
               <a:t>Los </a:t>
             </a:r>
             <a:r>
-              <a:rPr lang="es-ES" dirty="0" err="1" smtClean="0"/>
-              <a:t>service</a:t>
+              <a:rPr lang="en-US" dirty="0" smtClean="0"/>
+              <a:t>service workers </a:t>
             </a:r>
             <a:r>
               <a:rPr lang="es-ES" dirty="0" smtClean="0"/>
-              <a:t> </a:t>
-            </a:r>
-            <a:r>
-              <a:rPr lang="es-ES" dirty="0" err="1" smtClean="0"/>
-              <a:t>workers</a:t>
+              <a:t>tienen </a:t>
             </a:r>
             <a:r>
               <a:rPr lang="es-ES" dirty="0" smtClean="0"/>
-              <a:t> tienen 3 fases, que son las siguientes:</a:t>
+              <a:t>3 fases, que son las siguientes:</a:t>
             </a:r>
           </a:p>
           <a:p>
@@ -11522,12 +11482,16 @@
               <a:t>Respuesta(</a:t>
             </a:r>
             <a:r>
-              <a:rPr lang="es-ES" dirty="0" err="1" smtClean="0"/>
+              <a:rPr lang="en-US" dirty="0" smtClean="0"/>
               <a:t>Fetch</a:t>
             </a:r>
             <a:r>
               <a:rPr lang="es-ES" dirty="0" smtClean="0"/>
-              <a:t>) / Mensaje</a:t>
+              <a:t>) </a:t>
+            </a:r>
+            <a:r>
+              <a:rPr lang="es-ES" dirty="0" smtClean="0"/>
+              <a:t>/ Mensaje</a:t>
             </a:r>
           </a:p>
           <a:p>
@@ -12838,10 +12802,9 @@
               <a:t>Google </a:t>
             </a:r>
             <a:r>
-              <a:rPr lang="es-ES" dirty="0" err="1" smtClean="0"/>
+              <a:rPr lang="en-US" dirty="0" smtClean="0"/>
               <a:t>Chrome</a:t>
             </a:r>
-            <a:endParaRPr lang="es-ES" dirty="0" smtClean="0"/>
           </a:p>
           <a:p>
             <a:pPr marL="285750" indent="-285750">
@@ -12850,7 +12813,11 @@
             </a:pPr>
             <a:r>
               <a:rPr lang="es-ES" dirty="0" smtClean="0"/>
-              <a:t>Mozilla Firefox</a:t>
+              <a:t>Mozilla </a:t>
+            </a:r>
+            <a:r>
+              <a:rPr lang="es-ES" dirty="0" smtClean="0"/>
+              <a:t>Firefox</a:t>
             </a:r>
           </a:p>
           <a:p>

--- a/Documentación/Presentacion_PWA_EduardBorrasRuiz.pptx
+++ b/Documentación/Presentacion_PWA_EduardBorrasRuiz.pptx
@@ -1259,7 +1259,7 @@
               <a:pPr>
                 <a:defRPr/>
               </a:pPr>
-              <a:t>12</a:t>
+              <a:t>9</a:t>
             </a:fld>
             <a:endParaRPr lang="es-ES" dirty="0"/>
           </a:p>
@@ -1268,7 +1268,7 @@
     </p:spTree>
     <p:extLst>
       <p:ext uri="{BB962C8B-B14F-4D97-AF65-F5344CB8AC3E}">
-        <p14:creationId xmlns:p14="http://schemas.microsoft.com/office/powerpoint/2010/main" val="2218413691"/>
+        <p14:creationId xmlns:p14="http://schemas.microsoft.com/office/powerpoint/2010/main" val="2737605436"/>
       </p:ext>
     </p:extLst>
   </p:cSld>
@@ -1297,6 +1297,96 @@
       </p:grpSpPr>
       <p:sp>
         <p:nvSpPr>
+          <p:cNvPr id="2" name="1 Marcador de imagen de diapositiva"/>
+          <p:cNvSpPr>
+            <a:spLocks noGrp="1" noRot="1" noChangeAspect="1"/>
+          </p:cNvSpPr>
+          <p:nvPr>
+            <p:ph type="sldImg"/>
+          </p:nvPr>
+        </p:nvSpPr>
+        <p:spPr/>
+      </p:sp>
+      <p:sp>
+        <p:nvSpPr>
+          <p:cNvPr id="3" name="2 Marcador de notas"/>
+          <p:cNvSpPr>
+            <a:spLocks noGrp="1"/>
+          </p:cNvSpPr>
+          <p:nvPr>
+            <p:ph type="body" idx="1"/>
+          </p:nvPr>
+        </p:nvSpPr>
+        <p:spPr/>
+        <p:txBody>
+          <a:bodyPr/>
+          <a:lstStyle/>
+          <a:p>
+            <a:endParaRPr lang="es-ES" dirty="0"/>
+          </a:p>
+        </p:txBody>
+      </p:sp>
+      <p:sp>
+        <p:nvSpPr>
+          <p:cNvPr id="4" name="3 Marcador de número de diapositiva"/>
+          <p:cNvSpPr>
+            <a:spLocks noGrp="1"/>
+          </p:cNvSpPr>
+          <p:nvPr>
+            <p:ph type="sldNum" sz="quarter" idx="10"/>
+          </p:nvPr>
+        </p:nvSpPr>
+        <p:spPr/>
+        <p:txBody>
+          <a:bodyPr/>
+          <a:lstStyle/>
+          <a:p>
+            <a:pPr>
+              <a:defRPr/>
+            </a:pPr>
+            <a:fld id="{5E2D3191-034D-42A5-811B-8CD0161B9FDD}" type="slidenum">
+              <a:rPr lang="es-ES" smtClean="0"/>
+              <a:pPr>
+                <a:defRPr/>
+              </a:pPr>
+              <a:t>12</a:t>
+            </a:fld>
+            <a:endParaRPr lang="es-ES" dirty="0"/>
+          </a:p>
+        </p:txBody>
+      </p:sp>
+    </p:spTree>
+    <p:extLst>
+      <p:ext uri="{BB962C8B-B14F-4D97-AF65-F5344CB8AC3E}">
+        <p14:creationId xmlns:p14="http://schemas.microsoft.com/office/powerpoint/2010/main" val="2218413691"/>
+      </p:ext>
+    </p:extLst>
+  </p:cSld>
+  <p:clrMapOvr>
+    <a:masterClrMapping/>
+  </p:clrMapOvr>
+</p:notes>
+</file>
+
+<file path=ppt/notesSlides/notesSlide5.xml><?xml version="1.0" encoding="utf-8"?>
+<p:notes xmlns:a="http://schemas.openxmlformats.org/drawingml/2006/main" xmlns:r="http://schemas.openxmlformats.org/officeDocument/2006/relationships" xmlns:p="http://schemas.openxmlformats.org/presentationml/2006/main">
+  <p:cSld>
+    <p:spTree>
+      <p:nvGrpSpPr>
+        <p:cNvPr id="1" name=""/>
+        <p:cNvGrpSpPr/>
+        <p:nvPr/>
+      </p:nvGrpSpPr>
+      <p:grpSpPr>
+        <a:xfrm>
+          <a:off x="0" y="0"/>
+          <a:ext cx="0" cy="0"/>
+          <a:chOff x="0" y="0"/>
+          <a:chExt cx="0" cy="0"/>
+        </a:xfrm>
+      </p:grpSpPr>
+      <p:sp>
+        <p:nvSpPr>
           <p:cNvPr id="79874" name="1 Marcador de imagen de diapositiva"/>
           <p:cNvSpPr>
             <a:spLocks noGrp="1" noRot="1" noChangeAspect="1" noTextEdit="1"/>
@@ -1384,7 +1474,7 @@
 </p:notes>
 </file>
 
-<file path=ppt/notesSlides/notesSlide5.xml><?xml version="1.0" encoding="utf-8"?>
+<file path=ppt/notesSlides/notesSlide6.xml><?xml version="1.0" encoding="utf-8"?>
 <p:notes xmlns:a="http://schemas.openxmlformats.org/drawingml/2006/main" xmlns:r="http://schemas.openxmlformats.org/officeDocument/2006/relationships" xmlns:p="http://schemas.openxmlformats.org/presentationml/2006/main">
   <p:cSld>
     <p:spTree>
@@ -4868,7 +4958,7 @@
           <a:p>
             <a:fld id="{55417804-F91F-466B-9FD6-409BB37ECF6E}" type="datetimeFigureOut">
               <a:rPr lang="es-ES" smtClean="0"/>
-              <a:t>14/03/2017</a:t>
+              <a:t>15/03/2017</a:t>
             </a:fld>
             <a:endParaRPr lang="es-ES"/>
           </a:p>
@@ -8477,8 +8567,8 @@
         </p:nvSpPr>
         <p:spPr>
           <a:xfrm>
-            <a:off x="6465168" y="5661246"/>
-            <a:ext cx="3168352" cy="584775"/>
+            <a:off x="6105128" y="5661246"/>
+            <a:ext cx="3528392" cy="584775"/>
           </a:xfrm>
           <a:prstGeom prst="rect">
             <a:avLst/>
@@ -8493,33 +8583,25 @@
           <a:p>
             <a:pPr algn="r"/>
             <a:r>
-              <a:rPr lang="ca-ES" sz="1600" b="1" smtClean="0">
+              <a:rPr lang="ca-ES" sz="1600" b="1" dirty="0" smtClean="0">
                 <a:solidFill>
                   <a:srgbClr val="9AAE04"/>
                 </a:solidFill>
               </a:rPr>
-              <a:t>Eduard Borràs </a:t>
-            </a:r>
-            <a:r>
-              <a:rPr lang="ca-ES" sz="1600" b="1" dirty="0" smtClean="0">
+              <a:t>Eduard Borràs Ruiz</a:t>
+            </a:r>
+          </a:p>
+          <a:p>
+            <a:pPr algn="r"/>
+            <a:r>
+              <a:rPr lang="es-ES" sz="1600" b="1" dirty="0" smtClean="0">
                 <a:solidFill>
                   <a:srgbClr val="9AAE04"/>
                 </a:solidFill>
               </a:rPr>
-              <a:t>Ruiz</a:t>
-            </a:r>
-          </a:p>
-          <a:p>
-            <a:pPr algn="r"/>
-            <a:r>
-              <a:rPr lang="es-ES" sz="1600" b="1" dirty="0" smtClean="0">
-                <a:solidFill>
-                  <a:srgbClr val="9AAE04"/>
-                </a:solidFill>
-              </a:rPr>
-              <a:t>martes, 14 de marzo de 2017</a:t>
-            </a:r>
-            <a:endParaRPr lang="es-ES" sz="1600" b="1" dirty="0">
+              <a:t>miércoles, 15 de marzo de 2017</a:t>
+            </a:r>
+            <a:endParaRPr lang="ca-ES" sz="1600" b="1" dirty="0" smtClean="0">
               <a:solidFill>
                 <a:srgbClr val="9AAE04"/>
               </a:solidFill>
@@ -8537,7 +8619,14 @@
   <p:clrMapOvr>
     <a:masterClrMapping/>
   </p:clrMapOvr>
-  <p:transition/>
+  <mc:AlternateContent xmlns:mc="http://schemas.openxmlformats.org/markup-compatibility/2006">
+    <mc:Choice xmlns:p14="http://schemas.microsoft.com/office/powerpoint/2010/main" Requires="p14">
+      <p:transition p14:dur="0"/>
+    </mc:Choice>
+    <mc:Fallback>
+      <p:transition/>
+    </mc:Fallback>
+  </mc:AlternateContent>
   <p:timing>
     <p:tnLst>
       <p:par>
@@ -8773,6 +8862,18 @@
   <p:clrMapOvr>
     <a:masterClrMapping/>
   </p:clrMapOvr>
+  <mc:AlternateContent xmlns:mc="http://schemas.openxmlformats.org/markup-compatibility/2006">
+    <mc:Choice xmlns:p14="http://schemas.microsoft.com/office/powerpoint/2010/main" Requires="p14">
+      <p:transition spd="slow" p14:dur="1200">
+        <p14:prism/>
+      </p:transition>
+    </mc:Choice>
+    <mc:Fallback>
+      <p:transition spd="slow">
+        <p:fade/>
+      </p:transition>
+    </mc:Fallback>
+  </mc:AlternateContent>
   <p:timing>
     <p:tnLst>
       <p:par>
@@ -8873,6 +8974,18 @@
   <p:clrMapOvr>
     <a:masterClrMapping/>
   </p:clrMapOvr>
+  <mc:AlternateContent xmlns:mc="http://schemas.openxmlformats.org/markup-compatibility/2006">
+    <mc:Choice xmlns:p14="http://schemas.microsoft.com/office/powerpoint/2010/main" Requires="p14">
+      <p:transition spd="slow" p14:dur="1200">
+        <p14:prism/>
+      </p:transition>
+    </mc:Choice>
+    <mc:Fallback>
+      <p:transition spd="slow">
+        <p:fade/>
+      </p:transition>
+    </mc:Fallback>
+  </mc:AlternateContent>
   <p:timing>
     <p:tnLst>
       <p:par>
@@ -8974,11 +9087,7 @@
             </a:r>
             <a:r>
               <a:rPr lang="es-ES" sz="1600" dirty="0" smtClean="0"/>
-              <a:t> </a:t>
-            </a:r>
-            <a:r>
-              <a:rPr lang="es-ES" sz="1600" dirty="0" smtClean="0"/>
-              <a:t>nativo pero siendo una web.</a:t>
+              <a:t> nativa pero siendo una web.</a:t>
             </a:r>
           </a:p>
           <a:p>
@@ -8998,7 +9107,6 @@
               <a:rPr lang="es-ES" sz="1600" dirty="0" smtClean="0"/>
               <a:t>.</a:t>
             </a:r>
-            <a:endParaRPr lang="es-ES" sz="1600" dirty="0" smtClean="0"/>
           </a:p>
           <a:p>
             <a:pPr marL="285750" indent="-285750">
@@ -9017,7 +9125,6 @@
               <a:rPr lang="es-ES" sz="1600" dirty="0" smtClean="0"/>
               <a:t>.</a:t>
             </a:r>
-            <a:endParaRPr lang="es-ES" sz="1600" dirty="0" smtClean="0"/>
           </a:p>
           <a:p>
             <a:pPr marL="285750" indent="-285750">
@@ -9329,6 +9436,18 @@
   <p:clrMapOvr>
     <a:masterClrMapping/>
   </p:clrMapOvr>
+  <mc:AlternateContent xmlns:mc="http://schemas.openxmlformats.org/markup-compatibility/2006">
+    <mc:Choice xmlns:p14="http://schemas.microsoft.com/office/powerpoint/2010/main" Requires="p14">
+      <p:transition spd="slow" p14:dur="1200">
+        <p14:prism/>
+      </p:transition>
+    </mc:Choice>
+    <mc:Fallback>
+      <p:transition spd="slow">
+        <p:fade/>
+      </p:transition>
+    </mc:Fallback>
+  </mc:AlternateContent>
   <p:timing>
     <p:tnLst>
       <p:par>
@@ -9768,11 +9887,7 @@
             </a:r>
             <a:r>
               <a:rPr lang="es-ES" sz="1600" dirty="0" smtClean="0"/>
-              <a:t>solo </a:t>
-            </a:r>
-            <a:r>
-              <a:rPr lang="es-ES" sz="1600" dirty="0" smtClean="0"/>
-              <a:t>funcionan en modo seguro o </a:t>
+              <a:t>solo funcionan en modo seguro o </a:t>
             </a:r>
             <a:r>
               <a:rPr lang="en-US" sz="1600" dirty="0" err="1" smtClean="0"/>
@@ -9782,7 +9897,6 @@
               <a:rPr lang="es-ES" sz="1600" dirty="0" smtClean="0"/>
               <a:t>.</a:t>
             </a:r>
-            <a:endParaRPr lang="es-ES" sz="1600" dirty="0" smtClean="0"/>
           </a:p>
           <a:p>
             <a:pPr marL="285750" indent="-285750">
@@ -9903,6 +10017,18 @@
   <p:clrMapOvr>
     <a:masterClrMapping/>
   </p:clrMapOvr>
+  <mc:AlternateContent xmlns:mc="http://schemas.openxmlformats.org/markup-compatibility/2006">
+    <mc:Choice xmlns:p14="http://schemas.microsoft.com/office/powerpoint/2010/main" Requires="p14">
+      <p:transition spd="slow" p14:dur="1200">
+        <p14:prism/>
+      </p:transition>
+    </mc:Choice>
+    <mc:Fallback>
+      <p:transition spd="slow">
+        <p:fade/>
+      </p:transition>
+    </mc:Fallback>
+  </mc:AlternateContent>
   <p:timing>
     <p:tnLst>
       <p:par>
@@ -10307,6 +10433,25 @@
   <p:clrMapOvr>
     <a:masterClrMapping/>
   </p:clrMapOvr>
+  <mc:AlternateContent xmlns:mc="http://schemas.openxmlformats.org/markup-compatibility/2006">
+    <mc:Choice xmlns:p14="http://schemas.microsoft.com/office/powerpoint/2010/main" Requires="p14">
+      <p:transition spd="slow" p14:dur="1200">
+        <p14:prism/>
+      </p:transition>
+    </mc:Choice>
+    <mc:Fallback>
+      <p:transition spd="slow">
+        <p:fade/>
+      </p:transition>
+    </mc:Fallback>
+  </mc:AlternateContent>
+  <p:timing>
+    <p:tnLst>
+      <p:par>
+        <p:cTn id="1" dur="indefinite" restart="never" nodeType="tmRoot"/>
+      </p:par>
+    </p:tnLst>
+  </p:timing>
 </p:sld>
 </file>
 
@@ -10423,12 +10568,16 @@
   <p:clrMapOvr>
     <a:masterClrMapping/>
   </p:clrMapOvr>
-  <mc:AlternateContent xmlns:mc="http://schemas.openxmlformats.org/markup-compatibility/2006" xmlns:p14="http://schemas.microsoft.com/office/powerpoint/2010/main">
-    <mc:Choice Requires="p14">
-      <p:transition spd="slow" p14:dur="2000"/>
+  <mc:AlternateContent xmlns:mc="http://schemas.openxmlformats.org/markup-compatibility/2006">
+    <mc:Choice xmlns:p14="http://schemas.microsoft.com/office/powerpoint/2010/main" Requires="p14">
+      <p:transition spd="slow" p14:dur="1200">
+        <p14:prism/>
+      </p:transition>
     </mc:Choice>
-    <mc:Fallback xmlns="">
-      <p:transition spd="slow"/>
+    <mc:Fallback>
+      <p:transition spd="slow">
+        <p:fade/>
+      </p:transition>
     </mc:Fallback>
   </mc:AlternateContent>
   <p:timing>
@@ -10597,7 +10746,6 @@
               <a:rPr lang="es-ES" dirty="0" smtClean="0"/>
               <a:t>Becario</a:t>
             </a:r>
-            <a:endParaRPr lang="es-ES" dirty="0" smtClean="0"/>
           </a:p>
         </p:txBody>
       </p:sp>
@@ -10611,12 +10759,16 @@
   <p:clrMapOvr>
     <a:masterClrMapping/>
   </p:clrMapOvr>
-  <mc:AlternateContent xmlns:mc="http://schemas.openxmlformats.org/markup-compatibility/2006" xmlns:p14="http://schemas.microsoft.com/office/powerpoint/2010/main">
-    <mc:Choice Requires="p14">
-      <p:transition spd="slow" p14:dur="2000"/>
+  <mc:AlternateContent xmlns:mc="http://schemas.openxmlformats.org/markup-compatibility/2006">
+    <mc:Choice xmlns:p14="http://schemas.microsoft.com/office/powerpoint/2010/main" Requires="p14">
+      <p:transition spd="slow" p14:dur="1200">
+        <p14:prism/>
+      </p:transition>
     </mc:Choice>
-    <mc:Fallback xmlns="">
-      <p:transition spd="slow"/>
+    <mc:Fallback>
+      <p:transition spd="slow">
+        <p:fade/>
+      </p:transition>
     </mc:Fallback>
   </mc:AlternateContent>
   <p:timing>
@@ -10702,7 +10854,6 @@
               <a:rPr lang="es-ES" dirty="0" smtClean="0"/>
               <a:t>Funcionalidad</a:t>
             </a:r>
-            <a:endParaRPr lang="es-ES" dirty="0" smtClean="0"/>
           </a:p>
           <a:p>
             <a:r>
@@ -10719,11 +10870,7 @@
           <a:p>
             <a:r>
               <a:rPr lang="es-ES" dirty="0" smtClean="0"/>
-              <a:t>Ventajas y </a:t>
-            </a:r>
-            <a:r>
-              <a:rPr lang="es-ES" dirty="0" smtClean="0"/>
-              <a:t>desventajas</a:t>
+              <a:t>Ventajas y desventajas</a:t>
             </a:r>
           </a:p>
           <a:p>
@@ -10794,6 +10941,18 @@
   <p:clrMapOvr>
     <a:masterClrMapping/>
   </p:clrMapOvr>
+  <mc:AlternateContent xmlns:mc="http://schemas.openxmlformats.org/markup-compatibility/2006">
+    <mc:Choice xmlns:p14="http://schemas.microsoft.com/office/powerpoint/2010/main" Requires="p14">
+      <p:transition spd="slow" p14:dur="1200">
+        <p14:prism/>
+      </p:transition>
+    </mc:Choice>
+    <mc:Fallback>
+      <p:transition spd="slow">
+        <p:fade/>
+      </p:transition>
+    </mc:Fallback>
+  </mc:AlternateContent>
   <p:timing>
     <p:tnLst>
       <p:par>
@@ -10990,22 +11149,7 @@
                   </a:outerShdw>
                 </a:effectLst>
               </a:rPr>
-              <a:t> </a:t>
-            </a:r>
-            <a:r>
-              <a:rPr lang="es-ES" b="1" dirty="0" smtClean="0">
-                <a:solidFill>
-                  <a:schemeClr val="bg1"/>
-                </a:solidFill>
-                <a:effectLst>
-                  <a:outerShdw blurRad="38100" dist="38100" dir="2700000" algn="tl">
-                    <a:srgbClr val="000000">
-                      <a:alpha val="43137"/>
-                    </a:srgbClr>
-                  </a:outerShdw>
-                </a:effectLst>
-              </a:rPr>
-              <a:t>web o página web progresiva </a:t>
+              <a:t> web o página web progresiva </a:t>
             </a:r>
             <a:r>
               <a:rPr lang="es-ES" b="1" dirty="0">
@@ -11196,18 +11340,6 @@
               </a:rPr>
               <a:t>.</a:t>
             </a:r>
-            <a:endParaRPr lang="es-ES" b="1" dirty="0" smtClean="0">
-              <a:solidFill>
-                <a:schemeClr val="bg1"/>
-              </a:solidFill>
-              <a:effectLst>
-                <a:outerShdw blurRad="38100" dist="38100" dir="2700000" algn="tl">
-                  <a:srgbClr val="000000">
-                    <a:alpha val="43137"/>
-                  </a:srgbClr>
-                </a:outerShdw>
-              </a:effectLst>
-            </a:endParaRPr>
           </a:p>
           <a:p>
             <a:pPr marL="285750" indent="-285750">
@@ -11257,22 +11389,7 @@
                   </a:outerShdw>
                 </a:effectLst>
               </a:rPr>
-              <a:t>, </a:t>
-            </a:r>
-            <a:r>
-              <a:rPr lang="es-ES" b="1" dirty="0" smtClean="0">
-                <a:solidFill>
-                  <a:schemeClr val="bg1"/>
-                </a:solidFill>
-                <a:effectLst>
-                  <a:outerShdw blurRad="38100" dist="38100" dir="2700000" algn="tl">
-                    <a:srgbClr val="000000">
-                      <a:alpha val="43137"/>
-                    </a:srgbClr>
-                  </a:outerShdw>
-                </a:effectLst>
-              </a:rPr>
-              <a:t>etc.</a:t>
+              <a:t>, etc.</a:t>
             </a:r>
           </a:p>
           <a:p>
@@ -11293,6 +11410,18 @@
   <p:clrMapOvr>
     <a:masterClrMapping/>
   </p:clrMapOvr>
+  <mc:AlternateContent xmlns:mc="http://schemas.openxmlformats.org/markup-compatibility/2006">
+    <mc:Choice xmlns:p14="http://schemas.microsoft.com/office/powerpoint/2010/main" Requires="p14">
+      <p:transition spd="slow" p14:dur="1200">
+        <p14:prism/>
+      </p:transition>
+    </mc:Choice>
+    <mc:Fallback>
+      <p:transition spd="slow">
+        <p:fade/>
+      </p:transition>
+    </mc:Fallback>
+  </mc:AlternateContent>
   <p:timing>
     <p:tnLst>
       <p:par>
@@ -11438,11 +11567,7 @@
             </a:r>
             <a:r>
               <a:rPr lang="es-ES" dirty="0" smtClean="0"/>
-              <a:t>tienen </a:t>
-            </a:r>
-            <a:r>
-              <a:rPr lang="es-ES" dirty="0" smtClean="0"/>
-              <a:t>3 fases, que son las siguientes:</a:t>
+              <a:t>tienen 3 fases, que son las siguientes:</a:t>
             </a:r>
           </a:p>
           <a:p>
@@ -11487,11 +11612,7 @@
             </a:r>
             <a:r>
               <a:rPr lang="es-ES" dirty="0" smtClean="0"/>
-              <a:t>) </a:t>
-            </a:r>
-            <a:r>
-              <a:rPr lang="es-ES" dirty="0" smtClean="0"/>
-              <a:t>/ Mensaje</a:t>
+              <a:t>) / Mensaje</a:t>
             </a:r>
           </a:p>
           <a:p>
@@ -11568,6 +11689,18 @@
   <p:clrMapOvr>
     <a:masterClrMapping/>
   </p:clrMapOvr>
+  <mc:AlternateContent xmlns:mc="http://schemas.openxmlformats.org/markup-compatibility/2006">
+    <mc:Choice xmlns:p14="http://schemas.microsoft.com/office/powerpoint/2010/main" Requires="p14">
+      <p:transition spd="slow" p14:dur="1200">
+        <p14:prism/>
+      </p:transition>
+    </mc:Choice>
+    <mc:Fallback>
+      <p:transition spd="slow">
+        <p:fade/>
+      </p:transition>
+    </mc:Fallback>
+  </mc:AlternateContent>
   <p:timing>
     <p:tnLst>
       <p:par>
@@ -11899,6 +12032,18 @@
   <p:clrMapOvr>
     <a:masterClrMapping/>
   </p:clrMapOvr>
+  <mc:AlternateContent xmlns:mc="http://schemas.openxmlformats.org/markup-compatibility/2006">
+    <mc:Choice xmlns:p14="http://schemas.microsoft.com/office/powerpoint/2010/main" Requires="p14">
+      <p:transition spd="slow" p14:dur="1200">
+        <p14:prism/>
+      </p:transition>
+    </mc:Choice>
+    <mc:Fallback>
+      <p:transition spd="slow">
+        <p:fade/>
+      </p:transition>
+    </mc:Fallback>
+  </mc:AlternateContent>
   <p:timing>
     <p:tnLst>
       <p:par>
@@ -12080,6 +12225,25 @@
   <p:clrMapOvr>
     <a:masterClrMapping/>
   </p:clrMapOvr>
+  <mc:AlternateContent xmlns:mc="http://schemas.openxmlformats.org/markup-compatibility/2006">
+    <mc:Choice xmlns:p14="http://schemas.microsoft.com/office/powerpoint/2010/main" Requires="p14">
+      <p:transition spd="slow" p14:dur="1200">
+        <p14:prism/>
+      </p:transition>
+    </mc:Choice>
+    <mc:Fallback>
+      <p:transition spd="slow">
+        <p:fade/>
+      </p:transition>
+    </mc:Fallback>
+  </mc:AlternateContent>
+  <p:timing>
+    <p:tnLst>
+      <p:par>
+        <p:cTn id="1" dur="indefinite" restart="never" nodeType="tmRoot"/>
+      </p:par>
+    </p:tnLst>
+  </p:timing>
 </p:sld>
 </file>
 
@@ -12333,30 +12497,14 @@
           <a:p>
             <a:pPr algn="ctr"/>
             <a:r>
-              <a:rPr lang="es-ES" sz="1400" dirty="0" err="1" smtClean="0">
+              <a:rPr lang="en-US" sz="1400" dirty="0" smtClean="0">
                 <a:solidFill>
                   <a:schemeClr val="tx1"/>
                 </a:solidFill>
               </a:rPr>
-              <a:t>Service</a:t>
-            </a:r>
-            <a:r>
-              <a:rPr lang="es-ES" sz="1400" dirty="0" smtClean="0">
-                <a:solidFill>
-                  <a:schemeClr val="tx1"/>
-                </a:solidFill>
-              </a:rPr>
-              <a:t> </a:t>
-            </a:r>
-            <a:r>
-              <a:rPr lang="es-ES" sz="1400" dirty="0" err="1" smtClean="0">
-                <a:solidFill>
-                  <a:schemeClr val="tx1"/>
-                </a:solidFill>
-              </a:rPr>
-              <a:t>Worker</a:t>
-            </a:r>
-            <a:endParaRPr lang="es-ES" sz="1400" dirty="0">
+              <a:t>Service Worker</a:t>
+            </a:r>
+            <a:endParaRPr lang="en-US" sz="1400" dirty="0">
               <a:solidFill>
                 <a:schemeClr val="tx1"/>
               </a:solidFill>
@@ -12519,6 +12667,18 @@
   <p:clrMapOvr>
     <a:masterClrMapping/>
   </p:clrMapOvr>
+  <mc:AlternateContent xmlns:mc="http://schemas.openxmlformats.org/markup-compatibility/2006">
+    <mc:Choice xmlns:p14="http://schemas.microsoft.com/office/powerpoint/2010/main" Requires="p14">
+      <p:transition spd="slow" p14:dur="1200">
+        <p14:prism/>
+      </p:transition>
+    </mc:Choice>
+    <mc:Fallback>
+      <p:transition spd="slow">
+        <p:fade/>
+      </p:transition>
+    </mc:Fallback>
+  </mc:AlternateContent>
   <p:timing>
     <p:tnLst>
       <p:par>
@@ -12813,11 +12973,7 @@
             </a:pPr>
             <a:r>
               <a:rPr lang="es-ES" dirty="0" smtClean="0"/>
-              <a:t>Mozilla </a:t>
-            </a:r>
-            <a:r>
-              <a:rPr lang="es-ES" dirty="0" smtClean="0"/>
-              <a:t>Firefox</a:t>
+              <a:t>Mozilla Firefox</a:t>
             </a:r>
           </a:p>
           <a:p>
@@ -13507,6 +13663,18 @@
   <p:clrMapOvr>
     <a:masterClrMapping/>
   </p:clrMapOvr>
+  <mc:AlternateContent xmlns:mc="http://schemas.openxmlformats.org/markup-compatibility/2006">
+    <mc:Choice xmlns:p14="http://schemas.microsoft.com/office/powerpoint/2010/main" Requires="p14">
+      <p:transition spd="slow" p14:dur="1200">
+        <p14:prism/>
+      </p:transition>
+    </mc:Choice>
+    <mc:Fallback>
+      <p:transition spd="slow">
+        <p:fade/>
+      </p:transition>
+    </mc:Fallback>
+  </mc:AlternateContent>
   <p:timing>
     <p:tnLst>
       <p:par>
@@ -13664,7 +13832,7 @@
           <p:nvPr/>
         </p:nvPicPr>
         <p:blipFill>
-          <a:blip r:embed="rId2" cstate="print">
+          <a:blip r:embed="rId3" cstate="print">
             <a:extLst>
               <a:ext uri="{28A0092B-C50C-407E-A947-70E740481C1C}">
                 <a14:useLocalDpi xmlns:a14="http://schemas.microsoft.com/office/drawing/2010/main" val="0"/>
@@ -13706,6 +13874,18 @@
   <p:clrMapOvr>
     <a:masterClrMapping/>
   </p:clrMapOvr>
+  <mc:AlternateContent xmlns:mc="http://schemas.openxmlformats.org/markup-compatibility/2006">
+    <mc:Choice xmlns:p14="http://schemas.microsoft.com/office/powerpoint/2010/main" Requires="p14">
+      <p:transition spd="slow" p14:dur="1200">
+        <p14:prism/>
+      </p:transition>
+    </mc:Choice>
+    <mc:Fallback>
+      <p:transition spd="slow">
+        <p:fade/>
+      </p:transition>
+    </mc:Fallback>
+  </mc:AlternateContent>
   <p:timing>
     <p:tnLst>
       <p:par>

--- a/Documentación/Presentacion_PWA_EduardBorrasRuiz.pptx
+++ b/Documentación/Presentacion_PWA_EduardBorrasRuiz.pptx
@@ -160,7 +160,7 @@
   </p:defaultTextStyle>
   <p:extLst>
     <p:ext uri="{EFAFB233-063F-42B5-8137-9DF3F51BA10A}">
-      <p15:sldGuideLst xmlns="" xmlns:p15="http://schemas.microsoft.com/office/powerpoint/2012/main">
+      <p15:sldGuideLst xmlns:p15="http://schemas.microsoft.com/office/powerpoint/2012/main" xmlns="">
         <p15:guide id="1" orient="horz" pos="436">
           <p15:clr>
             <a:srgbClr val="A4A3A4"/>
@@ -269,7 +269,7 @@
       </p15:sldGuideLst>
     </p:ext>
     <p:ext uri="{2D200454-40CA-4A62-9FC3-DE9A4176ACB9}">
-      <p15:notesGuideLst xmlns="" xmlns:p15="http://schemas.microsoft.com/office/powerpoint/2012/main">
+      <p15:notesGuideLst xmlns:p15="http://schemas.microsoft.com/office/powerpoint/2012/main" xmlns="">
         <p15:guide id="1" orient="horz" pos="3127">
           <p15:clr>
             <a:srgbClr val="A4A3A4"/>
@@ -1120,12 +1120,7 @@
             <p:ph type="sldImg"/>
           </p:nvPr>
         </p:nvSpPr>
-        <p:spPr>
-          <a:xfrm>
-            <a:off x="711200" y="744538"/>
-            <a:ext cx="5375275" cy="3722687"/>
-          </a:xfrm>
-        </p:spPr>
+        <p:spPr/>
       </p:sp>
       <p:sp>
         <p:nvSpPr>
@@ -1169,7 +1164,7 @@
               <a:pPr>
                 <a:defRPr/>
               </a:pPr>
-              <a:t>7</a:t>
+              <a:t>6</a:t>
             </a:fld>
             <a:endParaRPr lang="es-ES" dirty="0"/>
           </a:p>
@@ -1178,7 +1173,7 @@
     </p:spTree>
     <p:extLst>
       <p:ext uri="{BB962C8B-B14F-4D97-AF65-F5344CB8AC3E}">
-        <p14:creationId xmlns:p14="http://schemas.microsoft.com/office/powerpoint/2010/main" val="1885521311"/>
+        <p14:creationId xmlns:p14="http://schemas.microsoft.com/office/powerpoint/2010/main" val="435103339"/>
       </p:ext>
     </p:extLst>
   </p:cSld>
@@ -1215,7 +1210,12 @@
             <p:ph type="sldImg"/>
           </p:nvPr>
         </p:nvSpPr>
-        <p:spPr/>
+        <p:spPr>
+          <a:xfrm>
+            <a:off x="711200" y="744538"/>
+            <a:ext cx="5375275" cy="3722687"/>
+          </a:xfrm>
+        </p:spPr>
       </p:sp>
       <p:sp>
         <p:nvSpPr>
@@ -1259,7 +1259,7 @@
               <a:pPr>
                 <a:defRPr/>
               </a:pPr>
-              <a:t>9</a:t>
+              <a:t>7</a:t>
             </a:fld>
             <a:endParaRPr lang="es-ES" dirty="0"/>
           </a:p>
@@ -1268,7 +1268,7 @@
     </p:spTree>
     <p:extLst>
       <p:ext uri="{BB962C8B-B14F-4D97-AF65-F5344CB8AC3E}">
-        <p14:creationId xmlns:p14="http://schemas.microsoft.com/office/powerpoint/2010/main" val="2737605436"/>
+        <p14:creationId xmlns:p14="http://schemas.microsoft.com/office/powerpoint/2010/main" val="1885521311"/>
       </p:ext>
     </p:extLst>
   </p:cSld>
@@ -1349,7 +1349,7 @@
               <a:pPr>
                 <a:defRPr/>
               </a:pPr>
-              <a:t>12</a:t>
+              <a:t>9</a:t>
             </a:fld>
             <a:endParaRPr lang="es-ES" dirty="0"/>
           </a:p>
@@ -1358,7 +1358,7 @@
     </p:spTree>
     <p:extLst>
       <p:ext uri="{BB962C8B-B14F-4D97-AF65-F5344CB8AC3E}">
-        <p14:creationId xmlns:p14="http://schemas.microsoft.com/office/powerpoint/2010/main" val="2218413691"/>
+        <p14:creationId xmlns:p14="http://schemas.microsoft.com/office/powerpoint/2010/main" val="2737605436"/>
       </p:ext>
     </p:extLst>
   </p:cSld>
@@ -1387,6 +1387,96 @@
       </p:grpSpPr>
       <p:sp>
         <p:nvSpPr>
+          <p:cNvPr id="2" name="1 Marcador de imagen de diapositiva"/>
+          <p:cNvSpPr>
+            <a:spLocks noGrp="1" noRot="1" noChangeAspect="1"/>
+          </p:cNvSpPr>
+          <p:nvPr>
+            <p:ph type="sldImg"/>
+          </p:nvPr>
+        </p:nvSpPr>
+        <p:spPr/>
+      </p:sp>
+      <p:sp>
+        <p:nvSpPr>
+          <p:cNvPr id="3" name="2 Marcador de notas"/>
+          <p:cNvSpPr>
+            <a:spLocks noGrp="1"/>
+          </p:cNvSpPr>
+          <p:nvPr>
+            <p:ph type="body" idx="1"/>
+          </p:nvPr>
+        </p:nvSpPr>
+        <p:spPr/>
+        <p:txBody>
+          <a:bodyPr/>
+          <a:lstStyle/>
+          <a:p>
+            <a:endParaRPr lang="es-ES" dirty="0"/>
+          </a:p>
+        </p:txBody>
+      </p:sp>
+      <p:sp>
+        <p:nvSpPr>
+          <p:cNvPr id="4" name="3 Marcador de número de diapositiva"/>
+          <p:cNvSpPr>
+            <a:spLocks noGrp="1"/>
+          </p:cNvSpPr>
+          <p:nvPr>
+            <p:ph type="sldNum" sz="quarter" idx="10"/>
+          </p:nvPr>
+        </p:nvSpPr>
+        <p:spPr/>
+        <p:txBody>
+          <a:bodyPr/>
+          <a:lstStyle/>
+          <a:p>
+            <a:pPr>
+              <a:defRPr/>
+            </a:pPr>
+            <a:fld id="{5E2D3191-034D-42A5-811B-8CD0161B9FDD}" type="slidenum">
+              <a:rPr lang="es-ES" smtClean="0"/>
+              <a:pPr>
+                <a:defRPr/>
+              </a:pPr>
+              <a:t>12</a:t>
+            </a:fld>
+            <a:endParaRPr lang="es-ES" dirty="0"/>
+          </a:p>
+        </p:txBody>
+      </p:sp>
+    </p:spTree>
+    <p:extLst>
+      <p:ext uri="{BB962C8B-B14F-4D97-AF65-F5344CB8AC3E}">
+        <p14:creationId xmlns:p14="http://schemas.microsoft.com/office/powerpoint/2010/main" val="2218413691"/>
+      </p:ext>
+    </p:extLst>
+  </p:cSld>
+  <p:clrMapOvr>
+    <a:masterClrMapping/>
+  </p:clrMapOvr>
+</p:notes>
+</file>
+
+<file path=ppt/notesSlides/notesSlide6.xml><?xml version="1.0" encoding="utf-8"?>
+<p:notes xmlns:a="http://schemas.openxmlformats.org/drawingml/2006/main" xmlns:r="http://schemas.openxmlformats.org/officeDocument/2006/relationships" xmlns:p="http://schemas.openxmlformats.org/presentationml/2006/main">
+  <p:cSld>
+    <p:spTree>
+      <p:nvGrpSpPr>
+        <p:cNvPr id="1" name=""/>
+        <p:cNvGrpSpPr/>
+        <p:nvPr/>
+      </p:nvGrpSpPr>
+      <p:grpSpPr>
+        <a:xfrm>
+          <a:off x="0" y="0"/>
+          <a:ext cx="0" cy="0"/>
+          <a:chOff x="0" y="0"/>
+          <a:chExt cx="0" cy="0"/>
+        </a:xfrm>
+      </p:grpSpPr>
+      <p:sp>
+        <p:nvSpPr>
           <p:cNvPr id="79874" name="1 Marcador de imagen de diapositiva"/>
           <p:cNvSpPr>
             <a:spLocks noGrp="1" noRot="1" noChangeAspect="1" noTextEdit="1"/>
@@ -1474,7 +1564,7 @@
 </p:notes>
 </file>
 
-<file path=ppt/notesSlides/notesSlide6.xml><?xml version="1.0" encoding="utf-8"?>
+<file path=ppt/notesSlides/notesSlide7.xml><?xml version="1.0" encoding="utf-8"?>
 <p:notes xmlns:a="http://schemas.openxmlformats.org/drawingml/2006/main" xmlns:r="http://schemas.openxmlformats.org/officeDocument/2006/relationships" xmlns:p="http://schemas.openxmlformats.org/presentationml/2006/main">
   <p:cSld>
     <p:spTree>
@@ -4958,7 +5048,7 @@
           <a:p>
             <a:fld id="{55417804-F91F-466B-9FD6-409BB37ECF6E}" type="datetimeFigureOut">
               <a:rPr lang="es-ES" smtClean="0"/>
-              <a:t>15/03/2017</a:t>
+              <a:t>16/03/2017</a:t>
             </a:fld>
             <a:endParaRPr lang="es-ES"/>
           </a:p>
@@ -8619,11 +8709,11 @@
   <p:clrMapOvr>
     <a:masterClrMapping/>
   </p:clrMapOvr>
-  <mc:AlternateContent xmlns:mc="http://schemas.openxmlformats.org/markup-compatibility/2006">
-    <mc:Choice xmlns:p14="http://schemas.microsoft.com/office/powerpoint/2010/main" Requires="p14">
+  <mc:AlternateContent xmlns:mc="http://schemas.openxmlformats.org/markup-compatibility/2006" xmlns:p14="http://schemas.microsoft.com/office/powerpoint/2010/main">
+    <mc:Choice Requires="p14">
       <p:transition p14:dur="0"/>
     </mc:Choice>
-    <mc:Fallback>
+    <mc:Fallback xmlns="">
       <p:transition/>
     </mc:Fallback>
   </mc:AlternateContent>
@@ -8862,13 +8952,13 @@
   <p:clrMapOvr>
     <a:masterClrMapping/>
   </p:clrMapOvr>
-  <mc:AlternateContent xmlns:mc="http://schemas.openxmlformats.org/markup-compatibility/2006">
-    <mc:Choice xmlns:p14="http://schemas.microsoft.com/office/powerpoint/2010/main" Requires="p14">
+  <mc:AlternateContent xmlns:mc="http://schemas.openxmlformats.org/markup-compatibility/2006" xmlns:p14="http://schemas.microsoft.com/office/powerpoint/2010/main">
+    <mc:Choice Requires="p14">
       <p:transition spd="slow" p14:dur="1200">
         <p14:prism/>
       </p:transition>
     </mc:Choice>
-    <mc:Fallback>
+    <mc:Fallback xmlns="">
       <p:transition spd="slow">
         <p:fade/>
       </p:transition>
@@ -8974,13 +9064,13 @@
   <p:clrMapOvr>
     <a:masterClrMapping/>
   </p:clrMapOvr>
-  <mc:AlternateContent xmlns:mc="http://schemas.openxmlformats.org/markup-compatibility/2006">
-    <mc:Choice xmlns:p14="http://schemas.microsoft.com/office/powerpoint/2010/main" Requires="p14">
+  <mc:AlternateContent xmlns:mc="http://schemas.openxmlformats.org/markup-compatibility/2006" xmlns:p14="http://schemas.microsoft.com/office/powerpoint/2010/main">
+    <mc:Choice Requires="p14">
       <p:transition spd="slow" p14:dur="1200">
         <p14:prism/>
       </p:transition>
     </mc:Choice>
-    <mc:Fallback>
+    <mc:Fallback xmlns="">
       <p:transition spd="slow">
         <p:fade/>
       </p:transition>
@@ -9436,13 +9526,13 @@
   <p:clrMapOvr>
     <a:masterClrMapping/>
   </p:clrMapOvr>
-  <mc:AlternateContent xmlns:mc="http://schemas.openxmlformats.org/markup-compatibility/2006">
-    <mc:Choice xmlns:p14="http://schemas.microsoft.com/office/powerpoint/2010/main" Requires="p14">
+  <mc:AlternateContent xmlns:mc="http://schemas.openxmlformats.org/markup-compatibility/2006" xmlns:p14="http://schemas.microsoft.com/office/powerpoint/2010/main">
+    <mc:Choice Requires="p14">
       <p:transition spd="slow" p14:dur="1200">
         <p14:prism/>
       </p:transition>
     </mc:Choice>
-    <mc:Fallback>
+    <mc:Fallback xmlns="">
       <p:transition spd="slow">
         <p:fade/>
       </p:transition>
@@ -10017,13 +10107,13 @@
   <p:clrMapOvr>
     <a:masterClrMapping/>
   </p:clrMapOvr>
-  <mc:AlternateContent xmlns:mc="http://schemas.openxmlformats.org/markup-compatibility/2006">
-    <mc:Choice xmlns:p14="http://schemas.microsoft.com/office/powerpoint/2010/main" Requires="p14">
+  <mc:AlternateContent xmlns:mc="http://schemas.openxmlformats.org/markup-compatibility/2006" xmlns:p14="http://schemas.microsoft.com/office/powerpoint/2010/main">
+    <mc:Choice Requires="p14">
       <p:transition spd="slow" p14:dur="1200">
         <p14:prism/>
       </p:transition>
     </mc:Choice>
-    <mc:Fallback>
+    <mc:Fallback xmlns="">
       <p:transition spd="slow">
         <p:fade/>
       </p:transition>
@@ -10433,13 +10523,13 @@
   <p:clrMapOvr>
     <a:masterClrMapping/>
   </p:clrMapOvr>
-  <mc:AlternateContent xmlns:mc="http://schemas.openxmlformats.org/markup-compatibility/2006">
-    <mc:Choice xmlns:p14="http://schemas.microsoft.com/office/powerpoint/2010/main" Requires="p14">
+  <mc:AlternateContent xmlns:mc="http://schemas.openxmlformats.org/markup-compatibility/2006" xmlns:p14="http://schemas.microsoft.com/office/powerpoint/2010/main">
+    <mc:Choice Requires="p14">
       <p:transition spd="slow" p14:dur="1200">
         <p14:prism/>
       </p:transition>
     </mc:Choice>
-    <mc:Fallback>
+    <mc:Fallback xmlns="">
       <p:transition spd="slow">
         <p:fade/>
       </p:transition>
@@ -10568,13 +10658,13 @@
   <p:clrMapOvr>
     <a:masterClrMapping/>
   </p:clrMapOvr>
-  <mc:AlternateContent xmlns:mc="http://schemas.openxmlformats.org/markup-compatibility/2006">
-    <mc:Choice xmlns:p14="http://schemas.microsoft.com/office/powerpoint/2010/main" Requires="p14">
+  <mc:AlternateContent xmlns:mc="http://schemas.openxmlformats.org/markup-compatibility/2006" xmlns:p14="http://schemas.microsoft.com/office/powerpoint/2010/main">
+    <mc:Choice Requires="p14">
       <p:transition spd="slow" p14:dur="1200">
         <p14:prism/>
       </p:transition>
     </mc:Choice>
-    <mc:Fallback>
+    <mc:Fallback xmlns="">
       <p:transition spd="slow">
         <p:fade/>
       </p:transition>
@@ -10759,13 +10849,13 @@
   <p:clrMapOvr>
     <a:masterClrMapping/>
   </p:clrMapOvr>
-  <mc:AlternateContent xmlns:mc="http://schemas.openxmlformats.org/markup-compatibility/2006">
-    <mc:Choice xmlns:p14="http://schemas.microsoft.com/office/powerpoint/2010/main" Requires="p14">
+  <mc:AlternateContent xmlns:mc="http://schemas.openxmlformats.org/markup-compatibility/2006" xmlns:p14="http://schemas.microsoft.com/office/powerpoint/2010/main">
+    <mc:Choice Requires="p14">
       <p:transition spd="slow" p14:dur="1200">
         <p14:prism/>
       </p:transition>
     </mc:Choice>
-    <mc:Fallback>
+    <mc:Fallback xmlns="">
       <p:transition spd="slow">
         <p:fade/>
       </p:transition>
@@ -10941,13 +11031,13 @@
   <p:clrMapOvr>
     <a:masterClrMapping/>
   </p:clrMapOvr>
-  <mc:AlternateContent xmlns:mc="http://schemas.openxmlformats.org/markup-compatibility/2006">
-    <mc:Choice xmlns:p14="http://schemas.microsoft.com/office/powerpoint/2010/main" Requires="p14">
+  <mc:AlternateContent xmlns:mc="http://schemas.openxmlformats.org/markup-compatibility/2006" xmlns:p14="http://schemas.microsoft.com/office/powerpoint/2010/main">
+    <mc:Choice Requires="p14">
       <p:transition spd="slow" p14:dur="1200">
         <p14:prism/>
       </p:transition>
     </mc:Choice>
-    <mc:Fallback>
+    <mc:Fallback xmlns="">
       <p:transition spd="slow">
         <p:fade/>
       </p:transition>
@@ -11410,13 +11500,13 @@
   <p:clrMapOvr>
     <a:masterClrMapping/>
   </p:clrMapOvr>
-  <mc:AlternateContent xmlns:mc="http://schemas.openxmlformats.org/markup-compatibility/2006">
-    <mc:Choice xmlns:p14="http://schemas.microsoft.com/office/powerpoint/2010/main" Requires="p14">
+  <mc:AlternateContent xmlns:mc="http://schemas.openxmlformats.org/markup-compatibility/2006" xmlns:p14="http://schemas.microsoft.com/office/powerpoint/2010/main">
+    <mc:Choice Requires="p14">
       <p:transition spd="slow" p14:dur="1200">
         <p14:prism/>
       </p:transition>
     </mc:Choice>
-    <mc:Fallback>
+    <mc:Fallback xmlns="">
       <p:transition spd="slow">
         <p:fade/>
       </p:transition>
@@ -11689,13 +11779,13 @@
   <p:clrMapOvr>
     <a:masterClrMapping/>
   </p:clrMapOvr>
-  <mc:AlternateContent xmlns:mc="http://schemas.openxmlformats.org/markup-compatibility/2006">
-    <mc:Choice xmlns:p14="http://schemas.microsoft.com/office/powerpoint/2010/main" Requires="p14">
+  <mc:AlternateContent xmlns:mc="http://schemas.openxmlformats.org/markup-compatibility/2006" xmlns:p14="http://schemas.microsoft.com/office/powerpoint/2010/main">
+    <mc:Choice Requires="p14">
       <p:transition spd="slow" p14:dur="1200">
         <p14:prism/>
       </p:transition>
     </mc:Choice>
-    <mc:Fallback>
+    <mc:Fallback xmlns="">
       <p:transition spd="slow">
         <p:fade/>
       </p:transition>
@@ -12032,13 +12122,13 @@
   <p:clrMapOvr>
     <a:masterClrMapping/>
   </p:clrMapOvr>
-  <mc:AlternateContent xmlns:mc="http://schemas.openxmlformats.org/markup-compatibility/2006">
-    <mc:Choice xmlns:p14="http://schemas.microsoft.com/office/powerpoint/2010/main" Requires="p14">
+  <mc:AlternateContent xmlns:mc="http://schemas.openxmlformats.org/markup-compatibility/2006" xmlns:p14="http://schemas.microsoft.com/office/powerpoint/2010/main">
+    <mc:Choice Requires="p14">
       <p:transition spd="slow" p14:dur="1200">
         <p14:prism/>
       </p:transition>
     </mc:Choice>
-    <mc:Fallback>
+    <mc:Fallback xmlns="">
       <p:transition spd="slow">
         <p:fade/>
       </p:transition>
@@ -12183,7 +12273,7 @@
           <p:nvPr/>
         </p:nvPicPr>
         <p:blipFill>
-          <a:blip r:embed="rId2">
+          <a:blip r:embed="rId3">
             <a:extLst>
               <a:ext uri="{28A0092B-C50C-407E-A947-70E740481C1C}">
                 <a14:useLocalDpi xmlns:a14="http://schemas.microsoft.com/office/drawing/2010/main" val="0"/>
@@ -12225,13 +12315,13 @@
   <p:clrMapOvr>
     <a:masterClrMapping/>
   </p:clrMapOvr>
-  <mc:AlternateContent xmlns:mc="http://schemas.openxmlformats.org/markup-compatibility/2006">
-    <mc:Choice xmlns:p14="http://schemas.microsoft.com/office/powerpoint/2010/main" Requires="p14">
+  <mc:AlternateContent xmlns:mc="http://schemas.openxmlformats.org/markup-compatibility/2006" xmlns:p14="http://schemas.microsoft.com/office/powerpoint/2010/main">
+    <mc:Choice Requires="p14">
       <p:transition spd="slow" p14:dur="1200">
         <p14:prism/>
       </p:transition>
     </mc:Choice>
-    <mc:Fallback>
+    <mc:Fallback xmlns="">
       <p:transition spd="slow">
         <p:fade/>
       </p:transition>
@@ -12667,13 +12757,13 @@
   <p:clrMapOvr>
     <a:masterClrMapping/>
   </p:clrMapOvr>
-  <mc:AlternateContent xmlns:mc="http://schemas.openxmlformats.org/markup-compatibility/2006">
-    <mc:Choice xmlns:p14="http://schemas.microsoft.com/office/powerpoint/2010/main" Requires="p14">
+  <mc:AlternateContent xmlns:mc="http://schemas.openxmlformats.org/markup-compatibility/2006" xmlns:p14="http://schemas.microsoft.com/office/powerpoint/2010/main">
+    <mc:Choice Requires="p14">
       <p:transition spd="slow" p14:dur="1200">
         <p14:prism/>
       </p:transition>
     </mc:Choice>
-    <mc:Fallback>
+    <mc:Fallback xmlns="">
       <p:transition spd="slow">
         <p:fade/>
       </p:transition>
@@ -13663,13 +13753,13 @@
   <p:clrMapOvr>
     <a:masterClrMapping/>
   </p:clrMapOvr>
-  <mc:AlternateContent xmlns:mc="http://schemas.openxmlformats.org/markup-compatibility/2006">
-    <mc:Choice xmlns:p14="http://schemas.microsoft.com/office/powerpoint/2010/main" Requires="p14">
+  <mc:AlternateContent xmlns:mc="http://schemas.openxmlformats.org/markup-compatibility/2006" xmlns:p14="http://schemas.microsoft.com/office/powerpoint/2010/main">
+    <mc:Choice Requires="p14">
       <p:transition spd="slow" p14:dur="1200">
         <p14:prism/>
       </p:transition>
     </mc:Choice>
-    <mc:Fallback>
+    <mc:Fallback xmlns="">
       <p:transition spd="slow">
         <p:fade/>
       </p:transition>
@@ -13874,13 +13964,13 @@
   <p:clrMapOvr>
     <a:masterClrMapping/>
   </p:clrMapOvr>
-  <mc:AlternateContent xmlns:mc="http://schemas.openxmlformats.org/markup-compatibility/2006">
-    <mc:Choice xmlns:p14="http://schemas.microsoft.com/office/powerpoint/2010/main" Requires="p14">
+  <mc:AlternateContent xmlns:mc="http://schemas.openxmlformats.org/markup-compatibility/2006" xmlns:p14="http://schemas.microsoft.com/office/powerpoint/2010/main">
+    <mc:Choice Requires="p14">
       <p:transition spd="slow" p14:dur="1200">
         <p14:prism/>
       </p:transition>
     </mc:Choice>
-    <mc:Fallback>
+    <mc:Fallback xmlns="">
       <p:transition spd="slow">
         <p:fade/>
       </p:transition>

--- a/Documentación/Presentacion_PWA_EduardBorrasRuiz.pptx
+++ b/Documentación/Presentacion_PWA_EduardBorrasRuiz.pptx
@@ -5,10 +5,10 @@
     <p:sldMasterId id="2147486173" r:id="rId1"/>
   </p:sldMasterIdLst>
   <p:notesMasterIdLst>
-    <p:notesMasterId r:id="rId18"/>
+    <p:notesMasterId r:id="rId19"/>
   </p:notesMasterIdLst>
   <p:handoutMasterIdLst>
-    <p:handoutMasterId r:id="rId19"/>
+    <p:handoutMasterId r:id="rId20"/>
   </p:handoutMasterIdLst>
   <p:sldIdLst>
     <p:sldId id="1602" r:id="rId2"/>
@@ -25,13 +25,14 @@
     <p:sldId id="1989" r:id="rId13"/>
     <p:sldId id="1994" r:id="rId14"/>
     <p:sldId id="1996" r:id="rId15"/>
-    <p:sldId id="1968" r:id="rId16"/>
-    <p:sldId id="1572" r:id="rId17"/>
+    <p:sldId id="1997" r:id="rId16"/>
+    <p:sldId id="1968" r:id="rId17"/>
+    <p:sldId id="1572" r:id="rId18"/>
   </p:sldIdLst>
   <p:sldSz cx="9906000" cy="6858000" type="A4"/>
   <p:notesSz cx="6797675" cy="9926638"/>
   <p:custDataLst>
-    <p:tags r:id="rId20"/>
+    <p:tags r:id="rId21"/>
   </p:custDataLst>
   <p:defaultTextStyle>
     <a:defPPr>
@@ -1477,25 +1478,19 @@
       </p:grpSpPr>
       <p:sp>
         <p:nvSpPr>
-          <p:cNvPr id="79874" name="1 Marcador de imagen de diapositiva"/>
-          <p:cNvSpPr>
-            <a:spLocks noGrp="1" noRot="1" noChangeAspect="1" noTextEdit="1"/>
+          <p:cNvPr id="2" name="1 Marcador de imagen de diapositiva"/>
+          <p:cNvSpPr>
+            <a:spLocks noGrp="1" noRot="1" noChangeAspect="1"/>
           </p:cNvSpPr>
           <p:nvPr>
             <p:ph type="sldImg"/>
           </p:nvPr>
         </p:nvSpPr>
-        <p:spPr>
-          <a:xfrm>
-            <a:off x="711200" y="744538"/>
-            <a:ext cx="5375275" cy="3722687"/>
-          </a:xfrm>
-          <a:ln/>
-        </p:spPr>
-      </p:sp>
-      <p:sp>
-        <p:nvSpPr>
-          <p:cNvPr id="79875" name="2 Marcador de notas"/>
+        <p:spPr/>
+      </p:sp>
+      <p:sp>
+        <p:nvSpPr>
+          <p:cNvPr id="3" name="2 Marcador de notas"/>
           <p:cNvSpPr>
             <a:spLocks noGrp="1"/>
           </p:cNvSpPr>
@@ -1503,58 +1498,48 @@
             <p:ph type="body" idx="1"/>
           </p:nvPr>
         </p:nvSpPr>
-        <p:spPr>
-          <a:noFill/>
-          <a:ln/>
-        </p:spPr>
+        <p:spPr/>
         <p:txBody>
           <a:bodyPr/>
           <a:lstStyle/>
           <a:p>
-            <a:pPr algn="l" rtl="0" eaLnBrk="1" hangingPunct="1"/>
-            <a:endParaRPr lang="en" smtClean="0"/>
-          </a:p>
-        </p:txBody>
-      </p:sp>
-      <p:sp>
-        <p:nvSpPr>
-          <p:cNvPr id="79876" name="3 Marcador de número de diapositiva"/>
+            <a:endParaRPr lang="es-ES" dirty="0"/>
+          </a:p>
+        </p:txBody>
+      </p:sp>
+      <p:sp>
+        <p:nvSpPr>
+          <p:cNvPr id="4" name="3 Marcador de número de diapositiva"/>
           <p:cNvSpPr>
             <a:spLocks noGrp="1"/>
           </p:cNvSpPr>
           <p:nvPr>
-            <p:ph type="sldNum" sz="quarter" idx="5"/>
-          </p:nvPr>
-        </p:nvSpPr>
-        <p:spPr>
-          <a:noFill/>
-        </p:spPr>
+            <p:ph type="sldNum" sz="quarter" idx="10"/>
+          </p:nvPr>
+        </p:nvSpPr>
+        <p:spPr/>
         <p:txBody>
           <a:bodyPr/>
           <a:lstStyle/>
           <a:p>
-            <a:pPr algn="l"/>
-            <a:fld id="{6C5EA175-D3BD-433B-AE78-035AF1E8740C}" type="slidenum">
-              <a:rPr>
-                <a:solidFill>
-                  <a:prstClr val="black"/>
-                </a:solidFill>
-              </a:rPr>
-              <a:pPr algn="l"/>
+            <a:pPr>
+              <a:defRPr/>
+            </a:pPr>
+            <a:fld id="{5E2D3191-034D-42A5-811B-8CD0161B9FDD}" type="slidenum">
+              <a:rPr lang="es-ES" smtClean="0"/>
+              <a:pPr>
+                <a:defRPr/>
+              </a:pPr>
               <a:t>15</a:t>
             </a:fld>
-            <a:endParaRPr lang="en" smtClean="0">
-              <a:solidFill>
-                <a:prstClr val="black"/>
-              </a:solidFill>
-            </a:endParaRPr>
+            <a:endParaRPr lang="es-ES" dirty="0"/>
           </a:p>
         </p:txBody>
       </p:sp>
     </p:spTree>
     <p:extLst>
       <p:ext uri="{BB962C8B-B14F-4D97-AF65-F5344CB8AC3E}">
-        <p14:creationId xmlns:p14="http://schemas.microsoft.com/office/powerpoint/2010/main" val="2689850379"/>
+        <p14:creationId xmlns:p14="http://schemas.microsoft.com/office/powerpoint/2010/main" val="1337449606"/>
       </p:ext>
     </p:extLst>
   </p:cSld>
@@ -1648,6 +1633,112 @@
               </a:rPr>
               <a:pPr algn="l"/>
               <a:t>16</a:t>
+            </a:fld>
+            <a:endParaRPr lang="en" smtClean="0">
+              <a:solidFill>
+                <a:prstClr val="black"/>
+              </a:solidFill>
+            </a:endParaRPr>
+          </a:p>
+        </p:txBody>
+      </p:sp>
+    </p:spTree>
+    <p:extLst>
+      <p:ext uri="{BB962C8B-B14F-4D97-AF65-F5344CB8AC3E}">
+        <p14:creationId xmlns:p14="http://schemas.microsoft.com/office/powerpoint/2010/main" val="2689850379"/>
+      </p:ext>
+    </p:extLst>
+  </p:cSld>
+  <p:clrMapOvr>
+    <a:masterClrMapping/>
+  </p:clrMapOvr>
+</p:notes>
+</file>
+
+<file path=ppt/notesSlides/notesSlide8.xml><?xml version="1.0" encoding="utf-8"?>
+<p:notes xmlns:a="http://schemas.openxmlformats.org/drawingml/2006/main" xmlns:r="http://schemas.openxmlformats.org/officeDocument/2006/relationships" xmlns:p="http://schemas.openxmlformats.org/presentationml/2006/main">
+  <p:cSld>
+    <p:spTree>
+      <p:nvGrpSpPr>
+        <p:cNvPr id="1" name=""/>
+        <p:cNvGrpSpPr/>
+        <p:nvPr/>
+      </p:nvGrpSpPr>
+      <p:grpSpPr>
+        <a:xfrm>
+          <a:off x="0" y="0"/>
+          <a:ext cx="0" cy="0"/>
+          <a:chOff x="0" y="0"/>
+          <a:chExt cx="0" cy="0"/>
+        </a:xfrm>
+      </p:grpSpPr>
+      <p:sp>
+        <p:nvSpPr>
+          <p:cNvPr id="79874" name="1 Marcador de imagen de diapositiva"/>
+          <p:cNvSpPr>
+            <a:spLocks noGrp="1" noRot="1" noChangeAspect="1" noTextEdit="1"/>
+          </p:cNvSpPr>
+          <p:nvPr>
+            <p:ph type="sldImg"/>
+          </p:nvPr>
+        </p:nvSpPr>
+        <p:spPr>
+          <a:xfrm>
+            <a:off x="711200" y="744538"/>
+            <a:ext cx="5375275" cy="3722687"/>
+          </a:xfrm>
+          <a:ln/>
+        </p:spPr>
+      </p:sp>
+      <p:sp>
+        <p:nvSpPr>
+          <p:cNvPr id="79875" name="2 Marcador de notas"/>
+          <p:cNvSpPr>
+            <a:spLocks noGrp="1"/>
+          </p:cNvSpPr>
+          <p:nvPr>
+            <p:ph type="body" idx="1"/>
+          </p:nvPr>
+        </p:nvSpPr>
+        <p:spPr>
+          <a:noFill/>
+          <a:ln/>
+        </p:spPr>
+        <p:txBody>
+          <a:bodyPr/>
+          <a:lstStyle/>
+          <a:p>
+            <a:pPr algn="l" rtl="0" eaLnBrk="1" hangingPunct="1"/>
+            <a:endParaRPr lang="en" smtClean="0"/>
+          </a:p>
+        </p:txBody>
+      </p:sp>
+      <p:sp>
+        <p:nvSpPr>
+          <p:cNvPr id="79876" name="3 Marcador de número de diapositiva"/>
+          <p:cNvSpPr>
+            <a:spLocks noGrp="1"/>
+          </p:cNvSpPr>
+          <p:nvPr>
+            <p:ph type="sldNum" sz="quarter" idx="5"/>
+          </p:nvPr>
+        </p:nvSpPr>
+        <p:spPr>
+          <a:noFill/>
+        </p:spPr>
+        <p:txBody>
+          <a:bodyPr/>
+          <a:lstStyle/>
+          <a:p>
+            <a:pPr algn="l"/>
+            <a:fld id="{6C5EA175-D3BD-433B-AE78-035AF1E8740C}" type="slidenum">
+              <a:rPr>
+                <a:solidFill>
+                  <a:prstClr val="black"/>
+                </a:solidFill>
+              </a:rPr>
+              <a:pPr algn="l"/>
+              <a:t>17</a:t>
             </a:fld>
             <a:endParaRPr lang="en" smtClean="0">
               <a:solidFill>
@@ -5048,7 +5139,7 @@
           <a:p>
             <a:fld id="{55417804-F91F-466B-9FD6-409BB37ECF6E}" type="datetimeFigureOut">
               <a:rPr lang="es-ES" smtClean="0"/>
-              <a:t>16/03/2017</a:t>
+              <a:t>20/03/2017</a:t>
             </a:fld>
             <a:endParaRPr lang="es-ES"/>
           </a:p>
@@ -8924,15 +9015,7 @@
             </a:r>
             <a:r>
               <a:rPr lang="es-ES" dirty="0" smtClean="0"/>
-              <a:t>PHP, Java, </a:t>
-            </a:r>
-            <a:r>
-              <a:rPr lang="es-ES" dirty="0" err="1" smtClean="0"/>
-              <a:t>.Net</a:t>
-            </a:r>
-            <a:r>
-              <a:rPr lang="es-ES" dirty="0" smtClean="0"/>
-              <a:t>, etc..</a:t>
+              <a:t>PHP, Java, .Net, etc..</a:t>
             </a:r>
             <a:endParaRPr lang="es-ES" b="1" u="sng" dirty="0">
               <a:solidFill>
@@ -9322,7 +9405,7 @@
           </a:bodyPr>
           <a:lstStyle/>
           <a:p>
-            <a:endParaRPr lang="es-ES"/>
+            <a:endParaRPr lang="es-ES" dirty="0"/>
           </a:p>
         </p:txBody>
       </p:sp>
@@ -9980,7 +10063,7 @@
               <a:t>solo funcionan en modo seguro o </a:t>
             </a:r>
             <a:r>
-              <a:rPr lang="en-US" sz="1600" dirty="0" err="1" smtClean="0"/>
+              <a:rPr lang="en-US" sz="1600" dirty="0" smtClean="0"/>
               <a:t>localhost</a:t>
             </a:r>
             <a:r>
@@ -10564,6 +10647,571 @@
       </p:grpSpPr>
       <p:sp>
         <p:nvSpPr>
+          <p:cNvPr id="2" name="1 Título"/>
+          <p:cNvSpPr>
+            <a:spLocks noGrp="1"/>
+          </p:cNvSpPr>
+          <p:nvPr>
+            <p:ph type="title"/>
+          </p:nvPr>
+        </p:nvSpPr>
+        <p:spPr/>
+        <p:txBody>
+          <a:bodyPr>
+            <a:normAutofit fontScale="90000"/>
+          </a:bodyPr>
+          <a:lstStyle/>
+          <a:p>
+            <a:r>
+              <a:rPr lang="es-ES" dirty="0" smtClean="0"/>
+              <a:t>Estructura</a:t>
+            </a:r>
+            <a:endParaRPr lang="es-ES" dirty="0"/>
+          </a:p>
+        </p:txBody>
+      </p:sp>
+      <p:sp>
+        <p:nvSpPr>
+          <p:cNvPr id="4" name="3 Marcador de contenido"/>
+          <p:cNvSpPr>
+            <a:spLocks noGrp="1"/>
+          </p:cNvSpPr>
+          <p:nvPr>
+            <p:ph sz="half" idx="2"/>
+          </p:nvPr>
+        </p:nvSpPr>
+        <p:spPr/>
+        <p:txBody>
+          <a:bodyPr/>
+          <a:lstStyle/>
+          <a:p>
+            <a:endParaRPr lang="es-ES" dirty="0"/>
+          </a:p>
+        </p:txBody>
+      </p:sp>
+      <p:sp>
+        <p:nvSpPr>
+          <p:cNvPr id="5" name="4 Marcador de número de diapositiva"/>
+          <p:cNvSpPr>
+            <a:spLocks noGrp="1"/>
+          </p:cNvSpPr>
+          <p:nvPr>
+            <p:ph type="sldNum" sz="quarter" idx="12"/>
+          </p:nvPr>
+        </p:nvSpPr>
+        <p:spPr/>
+        <p:txBody>
+          <a:bodyPr/>
+          <a:lstStyle/>
+          <a:p>
+            <a:fld id="{E60061AB-E3E3-4B82-98B1-945D99ABF5FB}" type="slidenum">
+              <a:rPr lang="ca-ES" noProof="0" smtClean="0">
+                <a:solidFill>
+                  <a:srgbClr val="737373"/>
+                </a:solidFill>
+              </a:rPr>
+              <a:pPr/>
+              <a:t>15</a:t>
+            </a:fld>
+            <a:endParaRPr lang="ca-ES" noProof="0" dirty="0">
+              <a:solidFill>
+                <a:srgbClr val="737373"/>
+              </a:solidFill>
+            </a:endParaRPr>
+          </a:p>
+        </p:txBody>
+      </p:sp>
+      <p:sp>
+        <p:nvSpPr>
+          <p:cNvPr id="6" name="5 Tarjeta"/>
+          <p:cNvSpPr/>
+          <p:nvPr/>
+        </p:nvSpPr>
+        <p:spPr>
+          <a:xfrm>
+            <a:off x="704528" y="2716833"/>
+            <a:ext cx="1080120" cy="1296144"/>
+          </a:xfrm>
+          <a:prstGeom prst="flowChartPunchedCard">
+            <a:avLst/>
+          </a:prstGeom>
+          <a:solidFill>
+            <a:srgbClr val="D6FB47"/>
+          </a:solidFill>
+          <a:ln>
+            <a:solidFill>
+              <a:srgbClr val="9AAE04"/>
+            </a:solidFill>
+          </a:ln>
+        </p:spPr>
+        <p:style>
+          <a:lnRef idx="2">
+            <a:schemeClr val="accent1">
+              <a:shade val="50000"/>
+            </a:schemeClr>
+          </a:lnRef>
+          <a:fillRef idx="1">
+            <a:schemeClr val="accent1"/>
+          </a:fillRef>
+          <a:effectRef idx="0">
+            <a:schemeClr val="accent1"/>
+          </a:effectRef>
+          <a:fontRef idx="minor">
+            <a:schemeClr val="lt1"/>
+          </a:fontRef>
+        </p:style>
+        <p:txBody>
+          <a:bodyPr rtlCol="0" anchor="ctr"/>
+          <a:lstStyle/>
+          <a:p>
+            <a:pPr algn="ctr"/>
+            <a:r>
+              <a:rPr lang="es-ES" b="1" dirty="0" smtClean="0">
+                <a:solidFill>
+                  <a:schemeClr val="tx1"/>
+                </a:solidFill>
+              </a:rPr>
+              <a:t>Pagina web</a:t>
+            </a:r>
+            <a:endParaRPr lang="es-ES" b="1" dirty="0">
+              <a:solidFill>
+                <a:schemeClr val="tx1"/>
+              </a:solidFill>
+            </a:endParaRPr>
+          </a:p>
+        </p:txBody>
+      </p:sp>
+      <p:sp>
+        <p:nvSpPr>
+          <p:cNvPr id="7" name="6 Elipse"/>
+          <p:cNvSpPr/>
+          <p:nvPr/>
+        </p:nvSpPr>
+        <p:spPr>
+          <a:xfrm>
+            <a:off x="3835221" y="5205370"/>
+            <a:ext cx="1440160" cy="1008112"/>
+          </a:xfrm>
+          <a:prstGeom prst="ellipse">
+            <a:avLst/>
+          </a:prstGeom>
+          <a:solidFill>
+            <a:srgbClr val="D6FB47"/>
+          </a:solidFill>
+          <a:ln>
+            <a:solidFill>
+              <a:srgbClr val="9AAE04"/>
+            </a:solidFill>
+          </a:ln>
+        </p:spPr>
+        <p:style>
+          <a:lnRef idx="2">
+            <a:schemeClr val="accent1">
+              <a:shade val="50000"/>
+            </a:schemeClr>
+          </a:lnRef>
+          <a:fillRef idx="1">
+            <a:schemeClr val="accent1"/>
+          </a:fillRef>
+          <a:effectRef idx="0">
+            <a:schemeClr val="accent1"/>
+          </a:effectRef>
+          <a:fontRef idx="minor">
+            <a:schemeClr val="lt1"/>
+          </a:fontRef>
+        </p:style>
+        <p:txBody>
+          <a:bodyPr rtlCol="0" anchor="ctr"/>
+          <a:lstStyle/>
+          <a:p>
+            <a:pPr algn="ctr"/>
+            <a:r>
+              <a:rPr lang="es-ES" b="1" dirty="0" smtClean="0">
+                <a:solidFill>
+                  <a:schemeClr val="tx1"/>
+                </a:solidFill>
+              </a:rPr>
+              <a:t>Datos</a:t>
+            </a:r>
+            <a:endParaRPr lang="es-ES" b="1" dirty="0">
+              <a:solidFill>
+                <a:schemeClr val="tx1"/>
+              </a:solidFill>
+            </a:endParaRPr>
+          </a:p>
+        </p:txBody>
+      </p:sp>
+      <p:sp>
+        <p:nvSpPr>
+          <p:cNvPr id="8" name="7 Decisión"/>
+          <p:cNvSpPr/>
+          <p:nvPr/>
+        </p:nvSpPr>
+        <p:spPr>
+          <a:xfrm>
+            <a:off x="7545288" y="3004865"/>
+            <a:ext cx="1656184" cy="720080"/>
+          </a:xfrm>
+          <a:prstGeom prst="flowChartDecision">
+            <a:avLst/>
+          </a:prstGeom>
+          <a:solidFill>
+            <a:srgbClr val="D6FB47"/>
+          </a:solidFill>
+          <a:ln>
+            <a:solidFill>
+              <a:srgbClr val="9AAE04"/>
+            </a:solidFill>
+          </a:ln>
+        </p:spPr>
+        <p:style>
+          <a:lnRef idx="2">
+            <a:schemeClr val="accent1">
+              <a:shade val="50000"/>
+            </a:schemeClr>
+          </a:lnRef>
+          <a:fillRef idx="1">
+            <a:schemeClr val="accent1"/>
+          </a:fillRef>
+          <a:effectRef idx="0">
+            <a:schemeClr val="accent1"/>
+          </a:effectRef>
+          <a:fontRef idx="minor">
+            <a:schemeClr val="lt1"/>
+          </a:fontRef>
+        </p:style>
+        <p:txBody>
+          <a:bodyPr rtlCol="0" anchor="ctr"/>
+          <a:lstStyle/>
+          <a:p>
+            <a:pPr algn="ctr"/>
+            <a:r>
+              <a:rPr lang="es-ES" b="1" dirty="0" smtClean="0">
+                <a:solidFill>
+                  <a:schemeClr val="tx1"/>
+                </a:solidFill>
+              </a:rPr>
+              <a:t>Cache</a:t>
+            </a:r>
+            <a:endParaRPr lang="es-ES" b="1" dirty="0">
+              <a:solidFill>
+                <a:schemeClr val="tx1"/>
+              </a:solidFill>
+            </a:endParaRPr>
+          </a:p>
+        </p:txBody>
+      </p:sp>
+      <p:cxnSp>
+        <p:nvCxnSpPr>
+          <p:cNvPr id="30" name="29 Conector recto de flecha"/>
+          <p:cNvCxnSpPr/>
+          <p:nvPr/>
+        </p:nvCxnSpPr>
+        <p:spPr>
+          <a:xfrm>
+            <a:off x="5457056" y="3284984"/>
+            <a:ext cx="1872208" cy="0"/>
+          </a:xfrm>
+          <a:prstGeom prst="straightConnector1">
+            <a:avLst/>
+          </a:prstGeom>
+          <a:ln>
+            <a:tailEnd type="arrow"/>
+          </a:ln>
+        </p:spPr>
+        <p:style>
+          <a:lnRef idx="1">
+            <a:schemeClr val="dk1"/>
+          </a:lnRef>
+          <a:fillRef idx="0">
+            <a:schemeClr val="dk1"/>
+          </a:fillRef>
+          <a:effectRef idx="0">
+            <a:schemeClr val="dk1"/>
+          </a:effectRef>
+          <a:fontRef idx="minor">
+            <a:schemeClr val="tx1"/>
+          </a:fontRef>
+        </p:style>
+      </p:cxnSp>
+      <p:sp>
+        <p:nvSpPr>
+          <p:cNvPr id="32" name="31 Estrella de 7 puntas"/>
+          <p:cNvSpPr/>
+          <p:nvPr/>
+        </p:nvSpPr>
+        <p:spPr>
+          <a:xfrm>
+            <a:off x="3655201" y="2896853"/>
+            <a:ext cx="1800200" cy="936104"/>
+          </a:xfrm>
+          <a:prstGeom prst="star7">
+            <a:avLst/>
+          </a:prstGeom>
+          <a:solidFill>
+            <a:srgbClr val="D6FB47"/>
+          </a:solidFill>
+          <a:ln>
+            <a:solidFill>
+              <a:srgbClr val="9AAE04"/>
+            </a:solidFill>
+          </a:ln>
+        </p:spPr>
+        <p:style>
+          <a:lnRef idx="2">
+            <a:schemeClr val="accent1">
+              <a:shade val="50000"/>
+            </a:schemeClr>
+          </a:lnRef>
+          <a:fillRef idx="1">
+            <a:schemeClr val="accent1"/>
+          </a:fillRef>
+          <a:effectRef idx="0">
+            <a:schemeClr val="accent1"/>
+          </a:effectRef>
+          <a:fontRef idx="minor">
+            <a:schemeClr val="lt1"/>
+          </a:fontRef>
+        </p:style>
+        <p:txBody>
+          <a:bodyPr rtlCol="0" anchor="ctr"/>
+          <a:lstStyle/>
+          <a:p>
+            <a:pPr algn="ctr"/>
+            <a:r>
+              <a:rPr lang="en-US" b="1" dirty="0" smtClean="0">
+                <a:solidFill>
+                  <a:schemeClr val="tx1"/>
+                </a:solidFill>
+              </a:rPr>
+              <a:t>Service Worker</a:t>
+            </a:r>
+            <a:endParaRPr lang="en-US" b="1" dirty="0">
+              <a:solidFill>
+                <a:schemeClr val="tx1"/>
+              </a:solidFill>
+            </a:endParaRPr>
+          </a:p>
+        </p:txBody>
+      </p:sp>
+      <p:cxnSp>
+        <p:nvCxnSpPr>
+          <p:cNvPr id="36" name="35 Conector recto de flecha"/>
+          <p:cNvCxnSpPr/>
+          <p:nvPr/>
+        </p:nvCxnSpPr>
+        <p:spPr>
+          <a:xfrm>
+            <a:off x="1820652" y="3284984"/>
+            <a:ext cx="1620180" cy="0"/>
+          </a:xfrm>
+          <a:prstGeom prst="straightConnector1">
+            <a:avLst/>
+          </a:prstGeom>
+          <a:ln>
+            <a:tailEnd type="arrow"/>
+          </a:ln>
+        </p:spPr>
+        <p:style>
+          <a:lnRef idx="1">
+            <a:schemeClr val="dk1"/>
+          </a:lnRef>
+          <a:fillRef idx="0">
+            <a:schemeClr val="dk1"/>
+          </a:fillRef>
+          <a:effectRef idx="0">
+            <a:schemeClr val="dk1"/>
+          </a:effectRef>
+          <a:fontRef idx="minor">
+            <a:schemeClr val="tx1"/>
+          </a:fontRef>
+        </p:style>
+      </p:cxnSp>
+      <p:cxnSp>
+        <p:nvCxnSpPr>
+          <p:cNvPr id="44" name="43 Conector recto de flecha"/>
+          <p:cNvCxnSpPr/>
+          <p:nvPr/>
+        </p:nvCxnSpPr>
+        <p:spPr>
+          <a:xfrm flipH="1">
+            <a:off x="5457056" y="3501008"/>
+            <a:ext cx="1872208" cy="0"/>
+          </a:xfrm>
+          <a:prstGeom prst="straightConnector1">
+            <a:avLst/>
+          </a:prstGeom>
+          <a:ln>
+            <a:tailEnd type="arrow"/>
+          </a:ln>
+        </p:spPr>
+        <p:style>
+          <a:lnRef idx="1">
+            <a:schemeClr val="dk1"/>
+          </a:lnRef>
+          <a:fillRef idx="0">
+            <a:schemeClr val="dk1"/>
+          </a:fillRef>
+          <a:effectRef idx="0">
+            <a:schemeClr val="dk1"/>
+          </a:effectRef>
+          <a:fontRef idx="minor">
+            <a:schemeClr val="tx1"/>
+          </a:fontRef>
+        </p:style>
+      </p:cxnSp>
+      <p:cxnSp>
+        <p:nvCxnSpPr>
+          <p:cNvPr id="10" name="9 Conector recto de flecha"/>
+          <p:cNvCxnSpPr/>
+          <p:nvPr/>
+        </p:nvCxnSpPr>
+        <p:spPr>
+          <a:xfrm flipH="1">
+            <a:off x="1820652" y="3501008"/>
+            <a:ext cx="1620180" cy="0"/>
+          </a:xfrm>
+          <a:prstGeom prst="straightConnector1">
+            <a:avLst/>
+          </a:prstGeom>
+          <a:ln>
+            <a:tailEnd type="arrow"/>
+          </a:ln>
+        </p:spPr>
+        <p:style>
+          <a:lnRef idx="1">
+            <a:schemeClr val="dk1"/>
+          </a:lnRef>
+          <a:fillRef idx="0">
+            <a:schemeClr val="dk1"/>
+          </a:fillRef>
+          <a:effectRef idx="0">
+            <a:schemeClr val="dk1"/>
+          </a:effectRef>
+          <a:fontRef idx="minor">
+            <a:schemeClr val="tx1"/>
+          </a:fontRef>
+        </p:style>
+      </p:cxnSp>
+      <p:cxnSp>
+        <p:nvCxnSpPr>
+          <p:cNvPr id="19" name="18 Conector angular"/>
+          <p:cNvCxnSpPr>
+            <a:stCxn id="8" idx="2"/>
+          </p:cNvCxnSpPr>
+          <p:nvPr/>
+        </p:nvCxnSpPr>
+        <p:spPr>
+          <a:xfrm rot="5400000">
+            <a:off x="5922151" y="3258198"/>
+            <a:ext cx="1984482" cy="2917977"/>
+          </a:xfrm>
+          <a:prstGeom prst="bentConnector2">
+            <a:avLst/>
+          </a:prstGeom>
+          <a:ln>
+            <a:tailEnd type="arrow"/>
+          </a:ln>
+        </p:spPr>
+        <p:style>
+          <a:lnRef idx="1">
+            <a:schemeClr val="dk1"/>
+          </a:lnRef>
+          <a:fillRef idx="0">
+            <a:schemeClr val="dk1"/>
+          </a:fillRef>
+          <a:effectRef idx="0">
+            <a:schemeClr val="dk1"/>
+          </a:effectRef>
+          <a:fontRef idx="minor">
+            <a:schemeClr val="tx1"/>
+          </a:fontRef>
+        </p:style>
+      </p:cxnSp>
+      <p:cxnSp>
+        <p:nvCxnSpPr>
+          <p:cNvPr id="23" name="22 Conector angular"/>
+          <p:cNvCxnSpPr/>
+          <p:nvPr/>
+        </p:nvCxnSpPr>
+        <p:spPr>
+          <a:xfrm flipV="1">
+            <a:off x="5337274" y="3714833"/>
+            <a:ext cx="2917979" cy="1792287"/>
+          </a:xfrm>
+          <a:prstGeom prst="bentConnector2">
+            <a:avLst/>
+          </a:prstGeom>
+          <a:ln>
+            <a:tailEnd type="arrow"/>
+          </a:ln>
+        </p:spPr>
+        <p:style>
+          <a:lnRef idx="1">
+            <a:schemeClr val="dk1"/>
+          </a:lnRef>
+          <a:fillRef idx="0">
+            <a:schemeClr val="dk1"/>
+          </a:fillRef>
+          <a:effectRef idx="0">
+            <a:schemeClr val="dk1"/>
+          </a:effectRef>
+          <a:fontRef idx="minor">
+            <a:schemeClr val="tx1"/>
+          </a:fontRef>
+        </p:style>
+      </p:cxnSp>
+    </p:spTree>
+    <p:extLst>
+      <p:ext uri="{BB962C8B-B14F-4D97-AF65-F5344CB8AC3E}">
+        <p14:creationId xmlns:p14="http://schemas.microsoft.com/office/powerpoint/2010/main" val="892405463"/>
+      </p:ext>
+    </p:extLst>
+  </p:cSld>
+  <p:clrMapOvr>
+    <a:masterClrMapping/>
+  </p:clrMapOvr>
+  <mc:AlternateContent xmlns:mc="http://schemas.openxmlformats.org/markup-compatibility/2006" xmlns:p14="http://schemas.microsoft.com/office/powerpoint/2010/main">
+    <mc:Choice Requires="p14">
+      <p:transition spd="slow" p14:dur="1200">
+        <p14:prism/>
+      </p:transition>
+    </mc:Choice>
+    <mc:Fallback xmlns="">
+      <p:transition spd="slow">
+        <p:fade/>
+      </p:transition>
+    </mc:Fallback>
+  </mc:AlternateContent>
+  <p:timing>
+    <p:tnLst>
+      <p:par>
+        <p:cTn id="1" dur="indefinite" restart="never" nodeType="tmRoot"/>
+      </p:par>
+    </p:tnLst>
+  </p:timing>
+</p:sld>
+</file>
+
+<file path=ppt/slides/slide16.xml><?xml version="1.0" encoding="utf-8"?>
+<p:sld xmlns:a="http://schemas.openxmlformats.org/drawingml/2006/main" xmlns:r="http://schemas.openxmlformats.org/officeDocument/2006/relationships" xmlns:p="http://schemas.openxmlformats.org/presentationml/2006/main">
+  <p:cSld>
+    <p:spTree>
+      <p:nvGrpSpPr>
+        <p:cNvPr id="1" name=""/>
+        <p:cNvGrpSpPr/>
+        <p:nvPr/>
+      </p:nvGrpSpPr>
+      <p:grpSpPr>
+        <a:xfrm>
+          <a:off x="0" y="0"/>
+          <a:ext cx="0" cy="0"/>
+          <a:chOff x="0" y="0"/>
+          <a:chExt cx="0" cy="0"/>
+        </a:xfrm>
+      </p:grpSpPr>
+      <p:sp>
+        <p:nvSpPr>
           <p:cNvPr id="40964" name="Text Box 4"/>
           <p:cNvSpPr txBox="1">
             <a:spLocks noChangeArrowheads="1"/>
@@ -10680,7 +11328,7 @@
 </p:sld>
 </file>
 
-<file path=ppt/slides/slide16.xml><?xml version="1.0" encoding="utf-8"?>
+<file path=ppt/slides/slide17.xml><?xml version="1.0" encoding="utf-8"?>
 <p:sld xmlns:a="http://schemas.openxmlformats.org/drawingml/2006/main" xmlns:r="http://schemas.openxmlformats.org/officeDocument/2006/relationships" xmlns:p="http://schemas.openxmlformats.org/presentationml/2006/main">
   <p:cSld>
     <p:spTree>
@@ -14273,7 +14921,21 @@
       </a:bgFillStyleLst>
     </a:fmtScheme>
   </a:themeElements>
-  <a:objectDefaults/>
+  <a:objectDefaults>
+    <a:txDef>
+      <a:spPr>
+        <a:noFill/>
+      </a:spPr>
+      <a:bodyPr wrap="square" rtlCol="0">
+        <a:spAutoFit/>
+      </a:bodyPr>
+      <a:lstStyle>
+        <a:defPPr>
+          <a:defRPr dirty="0"/>
+        </a:defPPr>
+      </a:lstStyle>
+    </a:txDef>
+  </a:objectDefaults>
   <a:extraClrSchemeLst/>
 </a:theme>
 </file>
